--- a/Kolloquium_Präsentation_RobertZlomle.pptx
+++ b/Kolloquium_Präsentation_RobertZlomle.pptx
@@ -5,7 +5,7 @@
     <p:sldMasterId id="2147483648" r:id="rId1"/>
   </p:sldMasterIdLst>
   <p:notesMasterIdLst>
-    <p:notesMasterId r:id="rId20"/>
+    <p:notesMasterId r:id="rId25"/>
   </p:notesMasterIdLst>
   <p:sldIdLst>
     <p:sldId id="270" r:id="rId2"/>
@@ -16,16 +16,21 @@
     <p:sldId id="281" r:id="rId7"/>
     <p:sldId id="288" r:id="rId8"/>
     <p:sldId id="282" r:id="rId9"/>
-    <p:sldId id="283" r:id="rId10"/>
-    <p:sldId id="290" r:id="rId11"/>
-    <p:sldId id="284" r:id="rId12"/>
-    <p:sldId id="291" r:id="rId13"/>
-    <p:sldId id="292" r:id="rId14"/>
-    <p:sldId id="289" r:id="rId15"/>
-    <p:sldId id="293" r:id="rId16"/>
-    <p:sldId id="285" r:id="rId17"/>
-    <p:sldId id="286" r:id="rId18"/>
-    <p:sldId id="269" r:id="rId19"/>
+    <p:sldId id="294" r:id="rId10"/>
+    <p:sldId id="295" r:id="rId11"/>
+    <p:sldId id="296" r:id="rId12"/>
+    <p:sldId id="297" r:id="rId13"/>
+    <p:sldId id="298" r:id="rId14"/>
+    <p:sldId id="283" r:id="rId15"/>
+    <p:sldId id="290" r:id="rId16"/>
+    <p:sldId id="284" r:id="rId17"/>
+    <p:sldId id="291" r:id="rId18"/>
+    <p:sldId id="292" r:id="rId19"/>
+    <p:sldId id="289" r:id="rId20"/>
+    <p:sldId id="293" r:id="rId21"/>
+    <p:sldId id="285" r:id="rId22"/>
+    <p:sldId id="286" r:id="rId23"/>
+    <p:sldId id="269" r:id="rId24"/>
   </p:sldIdLst>
   <p:sldSz cx="12192000" cy="6858000"/>
   <p:notesSz cx="6858000" cy="9144000"/>
@@ -245,7 +250,7 @@
           <a:p>
             <a:fld id="{CF93AEB5-C303-4762-90A0-AF697EB357C4}" type="datetimeFigureOut">
               <a:rPr lang="de-DE" smtClean="0"/>
-              <a:t>15.01.2021</a:t>
+              <a:t>16.01.2021</a:t>
             </a:fld>
             <a:endParaRPr lang="de-DE"/>
           </a:p>
@@ -15511,6 +15516,1184 @@
       </p:grpSpPr>
       <p:sp>
         <p:nvSpPr>
+          <p:cNvPr id="5" name="Titel 4"/>
+          <p:cNvSpPr>
+            <a:spLocks noGrp="1"/>
+          </p:cNvSpPr>
+          <p:nvPr>
+            <p:ph type="title"/>
+          </p:nvPr>
+        </p:nvSpPr>
+        <p:spPr/>
+        <p:txBody>
+          <a:bodyPr/>
+          <a:lstStyle/>
+          <a:p>
+            <a:r>
+              <a:rPr lang="de-DE" sz="2200" dirty="0"/>
+              <a:t>Vorgehensweise</a:t>
+            </a:r>
+            <a:br>
+              <a:rPr lang="de-DE" dirty="0"/>
+            </a:br>
+            <a:r>
+              <a:rPr lang="de-DE" dirty="0"/>
+              <a:t>- Entwicklung des Malus</a:t>
+            </a:r>
+            <a:br>
+              <a:rPr lang="de-DE" dirty="0"/>
+            </a:br>
+            <a:endParaRPr lang="de-DE" dirty="0"/>
+          </a:p>
+        </p:txBody>
+      </p:sp>
+      <p:sp>
+        <p:nvSpPr>
+          <p:cNvPr id="6" name="Inhaltsplatzhalter 5"/>
+          <p:cNvSpPr>
+            <a:spLocks noGrp="1"/>
+          </p:cNvSpPr>
+          <p:nvPr>
+            <p:ph idx="13"/>
+          </p:nvPr>
+        </p:nvSpPr>
+        <p:spPr/>
+        <p:txBody>
+          <a:bodyPr/>
+          <a:lstStyle/>
+          <a:p>
+            <a:pPr marL="342900" lvl="0" indent="-342900">
+              <a:buFont typeface="Arial" panose="020B0604020202020204" pitchFamily="34" charset="0"/>
+              <a:buChar char="•"/>
+            </a:pPr>
+            <a:r>
+              <a:rPr lang="de-DE" dirty="0"/>
+              <a:t>Das Wort „Malus“ kommt aus dem Latein und bedeutet „schlecht“</a:t>
+            </a:r>
+          </a:p>
+          <a:p>
+            <a:pPr marL="342900" lvl="0" indent="-342900">
+              <a:buFont typeface="Arial" panose="020B0604020202020204" pitchFamily="34" charset="0"/>
+              <a:buChar char="•"/>
+            </a:pPr>
+            <a:r>
+              <a:rPr lang="de-DE" dirty="0"/>
+              <a:t>Im Gaming das Gegenteil von Bonus</a:t>
+            </a:r>
+          </a:p>
+          <a:p>
+            <a:pPr marL="342900" lvl="0" indent="-342900">
+              <a:buFont typeface="Arial" panose="020B0604020202020204" pitchFamily="34" charset="0"/>
+              <a:buChar char="•"/>
+            </a:pPr>
+            <a:endParaRPr lang="de-DE" dirty="0"/>
+          </a:p>
+          <a:p>
+            <a:pPr marL="342900" lvl="0" indent="-342900">
+              <a:buFont typeface="Arial" panose="020B0604020202020204" pitchFamily="34" charset="0"/>
+              <a:buChar char="•"/>
+            </a:pPr>
+            <a:r>
+              <a:rPr lang="de-DE" dirty="0"/>
+              <a:t>In unserem Szenario</a:t>
+            </a:r>
+          </a:p>
+          <a:p>
+            <a:pPr marL="630903" lvl="1" indent="-342900">
+              <a:buFont typeface="Arial" panose="020B0604020202020204" pitchFamily="34" charset="0"/>
+              <a:buChar char="•"/>
+            </a:pPr>
+            <a:r>
+              <a:rPr lang="de-DE" dirty="0"/>
+              <a:t>Der Malus wird aktiviert, sobald der Nutzer vom Weg abkommt</a:t>
+            </a:r>
+          </a:p>
+          <a:p>
+            <a:pPr marL="630903" lvl="1" indent="-342900">
+              <a:buFont typeface="Arial" panose="020B0604020202020204" pitchFamily="34" charset="0"/>
+              <a:buChar char="•"/>
+            </a:pPr>
+            <a:r>
+              <a:rPr lang="de-DE" dirty="0"/>
+              <a:t>Dieser besteht aus einem rot blinkendem Sichtfeld und einem akustischen Piepen</a:t>
+            </a:r>
+          </a:p>
+          <a:p>
+            <a:pPr marL="630903" lvl="1" indent="-342900">
+              <a:buFont typeface="Arial" panose="020B0604020202020204" pitchFamily="34" charset="0"/>
+              <a:buChar char="•"/>
+            </a:pPr>
+            <a:r>
+              <a:rPr lang="de-DE" dirty="0"/>
+              <a:t>Die Frequenz erhöht sich alle 5 Sekunden und wird beendet wenn der Nutzer sich wieder auf dem richtigen Weg befindet </a:t>
+            </a:r>
+          </a:p>
+          <a:p>
+            <a:pPr marL="630903" lvl="1" indent="-342900">
+              <a:buFont typeface="Arial" panose="020B0604020202020204" pitchFamily="34" charset="0"/>
+              <a:buChar char="•"/>
+            </a:pPr>
+            <a:endParaRPr lang="de-DE" dirty="0"/>
+          </a:p>
+        </p:txBody>
+      </p:sp>
+      <p:sp>
+        <p:nvSpPr>
+          <p:cNvPr id="12" name="Datumsplatzhalter 11">
+            <a:extLst>
+              <a:ext uri="{FF2B5EF4-FFF2-40B4-BE49-F238E27FC236}">
+                <a16:creationId xmlns:a16="http://schemas.microsoft.com/office/drawing/2014/main" id="{80DD9277-7B03-46BA-A1AA-E0A86CA0FCF8}"/>
+              </a:ext>
+            </a:extLst>
+          </p:cNvPr>
+          <p:cNvSpPr>
+            <a:spLocks noGrp="1"/>
+          </p:cNvSpPr>
+          <p:nvPr>
+            <p:ph type="dt" sz="half" idx="10"/>
+          </p:nvPr>
+        </p:nvSpPr>
+        <p:spPr/>
+        <p:txBody>
+          <a:bodyPr/>
+          <a:lstStyle/>
+          <a:p>
+            <a:r>
+              <a:rPr lang="de-DE"/>
+              <a:t>Campus Sontheim</a:t>
+            </a:r>
+            <a:endParaRPr lang="de-DE" dirty="0"/>
+          </a:p>
+        </p:txBody>
+      </p:sp>
+      <p:sp>
+        <p:nvSpPr>
+          <p:cNvPr id="13" name="Fußzeilenplatzhalter 12">
+            <a:extLst>
+              <a:ext uri="{FF2B5EF4-FFF2-40B4-BE49-F238E27FC236}">
+                <a16:creationId xmlns:a16="http://schemas.microsoft.com/office/drawing/2014/main" id="{D5DEE2ED-DBC3-4D9A-AFA9-3BDED5578C13}"/>
+              </a:ext>
+            </a:extLst>
+          </p:cNvPr>
+          <p:cNvSpPr>
+            <a:spLocks noGrp="1"/>
+          </p:cNvSpPr>
+          <p:nvPr>
+            <p:ph type="ftr" sz="quarter" idx="11"/>
+          </p:nvPr>
+        </p:nvSpPr>
+        <p:spPr/>
+        <p:txBody>
+          <a:bodyPr/>
+          <a:lstStyle/>
+          <a:p>
+            <a:r>
+              <a:rPr lang="de-DE"/>
+              <a:t>Bachelorthesis Kolloquium | Robert Zlomke | IT / AIB |  WiSe 2020/21</a:t>
+            </a:r>
+            <a:endParaRPr lang="de-DE" dirty="0"/>
+          </a:p>
+        </p:txBody>
+      </p:sp>
+      <p:sp>
+        <p:nvSpPr>
+          <p:cNvPr id="14" name="Foliennummernplatzhalter 13">
+            <a:extLst>
+              <a:ext uri="{FF2B5EF4-FFF2-40B4-BE49-F238E27FC236}">
+                <a16:creationId xmlns:a16="http://schemas.microsoft.com/office/drawing/2014/main" id="{48BBC2E6-60FE-4027-B3AE-1C7F349E9526}"/>
+              </a:ext>
+            </a:extLst>
+          </p:cNvPr>
+          <p:cNvSpPr>
+            <a:spLocks noGrp="1"/>
+          </p:cNvSpPr>
+          <p:nvPr>
+            <p:ph type="sldNum" sz="quarter" idx="12"/>
+          </p:nvPr>
+        </p:nvSpPr>
+        <p:spPr/>
+        <p:txBody>
+          <a:bodyPr/>
+          <a:lstStyle/>
+          <a:p>
+            <a:r>
+              <a:rPr lang="de-DE"/>
+              <a:t>|  </a:t>
+            </a:r>
+            <a:fld id="{E6B5151A-17C4-4431-8407-112C0160A8B6}" type="slidenum">
+              <a:rPr lang="de-DE" smtClean="0"/>
+              <a:pPr/>
+              <a:t>10</a:t>
+            </a:fld>
+            <a:endParaRPr lang="de-DE" dirty="0"/>
+          </a:p>
+        </p:txBody>
+      </p:sp>
+    </p:spTree>
+    <p:extLst>
+      <p:ext uri="{BB962C8B-B14F-4D97-AF65-F5344CB8AC3E}">
+        <p14:creationId xmlns:p14="http://schemas.microsoft.com/office/powerpoint/2010/main" val="2081170575"/>
+      </p:ext>
+    </p:extLst>
+  </p:cSld>
+  <p:clrMapOvr>
+    <a:masterClrMapping/>
+  </p:clrMapOvr>
+</p:sld>
+</file>
+
+<file path=ppt/slides/slide11.xml><?xml version="1.0" encoding="utf-8"?>
+<p:sld xmlns:a="http://schemas.openxmlformats.org/drawingml/2006/main" xmlns:r="http://schemas.openxmlformats.org/officeDocument/2006/relationships" xmlns:p="http://schemas.openxmlformats.org/presentationml/2006/main">
+  <p:cSld>
+    <p:spTree>
+      <p:nvGrpSpPr>
+        <p:cNvPr id="1" name=""/>
+        <p:cNvGrpSpPr/>
+        <p:nvPr/>
+      </p:nvGrpSpPr>
+      <p:grpSpPr>
+        <a:xfrm>
+          <a:off x="0" y="0"/>
+          <a:ext cx="0" cy="0"/>
+          <a:chOff x="0" y="0"/>
+          <a:chExt cx="0" cy="0"/>
+        </a:xfrm>
+      </p:grpSpPr>
+      <p:sp>
+        <p:nvSpPr>
+          <p:cNvPr id="5" name="Titel 4"/>
+          <p:cNvSpPr>
+            <a:spLocks noGrp="1"/>
+          </p:cNvSpPr>
+          <p:nvPr>
+            <p:ph type="title"/>
+          </p:nvPr>
+        </p:nvSpPr>
+        <p:spPr/>
+        <p:txBody>
+          <a:bodyPr/>
+          <a:lstStyle/>
+          <a:p>
+            <a:r>
+              <a:rPr lang="de-DE" sz="2200" dirty="0"/>
+              <a:t>Vorgehensweise</a:t>
+            </a:r>
+            <a:br>
+              <a:rPr lang="de-DE" dirty="0"/>
+            </a:br>
+            <a:r>
+              <a:rPr lang="de-DE" dirty="0"/>
+              <a:t>- Schnittstelle zur Oculus Quest</a:t>
+            </a:r>
+            <a:br>
+              <a:rPr lang="de-DE" dirty="0"/>
+            </a:br>
+            <a:endParaRPr lang="de-DE" dirty="0"/>
+          </a:p>
+        </p:txBody>
+      </p:sp>
+      <p:sp>
+        <p:nvSpPr>
+          <p:cNvPr id="6" name="Inhaltsplatzhalter 5"/>
+          <p:cNvSpPr>
+            <a:spLocks noGrp="1"/>
+          </p:cNvSpPr>
+          <p:nvPr>
+            <p:ph idx="13"/>
+          </p:nvPr>
+        </p:nvSpPr>
+        <p:spPr/>
+        <p:txBody>
+          <a:bodyPr/>
+          <a:lstStyle/>
+          <a:p>
+            <a:pPr marL="342900" indent="-342900">
+              <a:buFont typeface="Arial" panose="020B0604020202020204" pitchFamily="34" charset="0"/>
+              <a:buChar char="•"/>
+            </a:pPr>
+            <a:endParaRPr lang="de-DE" dirty="0"/>
+          </a:p>
+          <a:p>
+            <a:pPr marL="342900" indent="-342900">
+              <a:buFont typeface="Arial" panose="020B0604020202020204" pitchFamily="34" charset="0"/>
+              <a:buChar char="•"/>
+            </a:pPr>
+            <a:r>
+              <a:rPr lang="de-DE" dirty="0"/>
+              <a:t>Oculus Link zur Verbindungsherstellung mit dem PC</a:t>
+            </a:r>
+          </a:p>
+          <a:p>
+            <a:pPr marL="342900" indent="-342900">
+              <a:buFont typeface="Arial" panose="020B0604020202020204" pitchFamily="34" charset="0"/>
+              <a:buChar char="•"/>
+            </a:pPr>
+            <a:r>
+              <a:rPr lang="de-DE" dirty="0"/>
+              <a:t>Developer Account erstellen zur </a:t>
+            </a:r>
+            <a:r>
+              <a:rPr lang="de-DE" dirty="0" err="1"/>
+              <a:t>Standalone</a:t>
+            </a:r>
+            <a:r>
+              <a:rPr lang="de-DE" dirty="0"/>
+              <a:t> Ausführung mit dem Headset</a:t>
+            </a:r>
+          </a:p>
+          <a:p>
+            <a:pPr marL="342900" indent="-342900">
+              <a:buFont typeface="Arial" panose="020B0604020202020204" pitchFamily="34" charset="0"/>
+              <a:buChar char="•"/>
+            </a:pPr>
+            <a:r>
+              <a:rPr lang="de-DE" dirty="0"/>
+              <a:t>Oculus Integration Plugin für Unity zur Entwicklung</a:t>
+            </a:r>
+          </a:p>
+          <a:p>
+            <a:pPr marL="630903" lvl="1" indent="-342900">
+              <a:buFont typeface="Arial" panose="020B0604020202020204" pitchFamily="34" charset="0"/>
+              <a:buChar char="•"/>
+            </a:pPr>
+            <a:r>
+              <a:rPr lang="de-DE" dirty="0"/>
+              <a:t>Entscheidung gegen das neue XR-Management System von Unity, da aktuell immer noch weniger Funktionalität vorhanden und kontinuierliche Anpassung durch die schnelle Weiterentwicklung notwendig</a:t>
+            </a:r>
+          </a:p>
+          <a:p>
+            <a:pPr marL="342900" lvl="0" indent="-342900">
+              <a:buFont typeface="Arial" panose="020B0604020202020204" pitchFamily="34" charset="0"/>
+              <a:buChar char="•"/>
+            </a:pPr>
+            <a:endParaRPr lang="de-DE" dirty="0"/>
+          </a:p>
+        </p:txBody>
+      </p:sp>
+      <p:sp>
+        <p:nvSpPr>
+          <p:cNvPr id="12" name="Datumsplatzhalter 11">
+            <a:extLst>
+              <a:ext uri="{FF2B5EF4-FFF2-40B4-BE49-F238E27FC236}">
+                <a16:creationId xmlns:a16="http://schemas.microsoft.com/office/drawing/2014/main" id="{80DD9277-7B03-46BA-A1AA-E0A86CA0FCF8}"/>
+              </a:ext>
+            </a:extLst>
+          </p:cNvPr>
+          <p:cNvSpPr>
+            <a:spLocks noGrp="1"/>
+          </p:cNvSpPr>
+          <p:nvPr>
+            <p:ph type="dt" sz="half" idx="10"/>
+          </p:nvPr>
+        </p:nvSpPr>
+        <p:spPr/>
+        <p:txBody>
+          <a:bodyPr/>
+          <a:lstStyle/>
+          <a:p>
+            <a:r>
+              <a:rPr lang="de-DE"/>
+              <a:t>Campus Sontheim</a:t>
+            </a:r>
+            <a:endParaRPr lang="de-DE" dirty="0"/>
+          </a:p>
+        </p:txBody>
+      </p:sp>
+      <p:sp>
+        <p:nvSpPr>
+          <p:cNvPr id="13" name="Fußzeilenplatzhalter 12">
+            <a:extLst>
+              <a:ext uri="{FF2B5EF4-FFF2-40B4-BE49-F238E27FC236}">
+                <a16:creationId xmlns:a16="http://schemas.microsoft.com/office/drawing/2014/main" id="{D5DEE2ED-DBC3-4D9A-AFA9-3BDED5578C13}"/>
+              </a:ext>
+            </a:extLst>
+          </p:cNvPr>
+          <p:cNvSpPr>
+            <a:spLocks noGrp="1"/>
+          </p:cNvSpPr>
+          <p:nvPr>
+            <p:ph type="ftr" sz="quarter" idx="11"/>
+          </p:nvPr>
+        </p:nvSpPr>
+        <p:spPr/>
+        <p:txBody>
+          <a:bodyPr/>
+          <a:lstStyle/>
+          <a:p>
+            <a:r>
+              <a:rPr lang="de-DE"/>
+              <a:t>Bachelorthesis Kolloquium | Robert Zlomke | IT / AIB |  WiSe 2020/21</a:t>
+            </a:r>
+            <a:endParaRPr lang="de-DE" dirty="0"/>
+          </a:p>
+        </p:txBody>
+      </p:sp>
+      <p:sp>
+        <p:nvSpPr>
+          <p:cNvPr id="14" name="Foliennummernplatzhalter 13">
+            <a:extLst>
+              <a:ext uri="{FF2B5EF4-FFF2-40B4-BE49-F238E27FC236}">
+                <a16:creationId xmlns:a16="http://schemas.microsoft.com/office/drawing/2014/main" id="{48BBC2E6-60FE-4027-B3AE-1C7F349E9526}"/>
+              </a:ext>
+            </a:extLst>
+          </p:cNvPr>
+          <p:cNvSpPr>
+            <a:spLocks noGrp="1"/>
+          </p:cNvSpPr>
+          <p:nvPr>
+            <p:ph type="sldNum" sz="quarter" idx="12"/>
+          </p:nvPr>
+        </p:nvSpPr>
+        <p:spPr/>
+        <p:txBody>
+          <a:bodyPr/>
+          <a:lstStyle/>
+          <a:p>
+            <a:r>
+              <a:rPr lang="de-DE"/>
+              <a:t>|  </a:t>
+            </a:r>
+            <a:fld id="{E6B5151A-17C4-4431-8407-112C0160A8B6}" type="slidenum">
+              <a:rPr lang="de-DE" smtClean="0"/>
+              <a:pPr/>
+              <a:t>11</a:t>
+            </a:fld>
+            <a:endParaRPr lang="de-DE" dirty="0"/>
+          </a:p>
+        </p:txBody>
+      </p:sp>
+    </p:spTree>
+    <p:extLst>
+      <p:ext uri="{BB962C8B-B14F-4D97-AF65-F5344CB8AC3E}">
+        <p14:creationId xmlns:p14="http://schemas.microsoft.com/office/powerpoint/2010/main" val="1240589572"/>
+      </p:ext>
+    </p:extLst>
+  </p:cSld>
+  <p:clrMapOvr>
+    <a:masterClrMapping/>
+  </p:clrMapOvr>
+</p:sld>
+</file>
+
+<file path=ppt/slides/slide12.xml><?xml version="1.0" encoding="utf-8"?>
+<p:sld xmlns:a="http://schemas.openxmlformats.org/drawingml/2006/main" xmlns:r="http://schemas.openxmlformats.org/officeDocument/2006/relationships" xmlns:p="http://schemas.openxmlformats.org/presentationml/2006/main">
+  <p:cSld>
+    <p:spTree>
+      <p:nvGrpSpPr>
+        <p:cNvPr id="1" name=""/>
+        <p:cNvGrpSpPr/>
+        <p:nvPr/>
+      </p:nvGrpSpPr>
+      <p:grpSpPr>
+        <a:xfrm>
+          <a:off x="0" y="0"/>
+          <a:ext cx="0" cy="0"/>
+          <a:chOff x="0" y="0"/>
+          <a:chExt cx="0" cy="0"/>
+        </a:xfrm>
+      </p:grpSpPr>
+      <p:sp>
+        <p:nvSpPr>
+          <p:cNvPr id="5" name="Titel 4"/>
+          <p:cNvSpPr>
+            <a:spLocks noGrp="1"/>
+          </p:cNvSpPr>
+          <p:nvPr>
+            <p:ph type="title"/>
+          </p:nvPr>
+        </p:nvSpPr>
+        <p:spPr/>
+        <p:txBody>
+          <a:bodyPr/>
+          <a:lstStyle/>
+          <a:p>
+            <a:r>
+              <a:rPr lang="de-DE" sz="2200" dirty="0"/>
+              <a:t>Vorgehensweise</a:t>
+            </a:r>
+            <a:br>
+              <a:rPr lang="de-DE" dirty="0"/>
+            </a:br>
+            <a:r>
+              <a:rPr lang="de-DE" dirty="0"/>
+              <a:t>- Datenerfassung und Export</a:t>
+            </a:r>
+            <a:br>
+              <a:rPr lang="de-DE" dirty="0"/>
+            </a:br>
+            <a:endParaRPr lang="de-DE" dirty="0"/>
+          </a:p>
+        </p:txBody>
+      </p:sp>
+      <p:sp>
+        <p:nvSpPr>
+          <p:cNvPr id="6" name="Inhaltsplatzhalter 5"/>
+          <p:cNvSpPr>
+            <a:spLocks noGrp="1"/>
+          </p:cNvSpPr>
+          <p:nvPr>
+            <p:ph idx="13"/>
+          </p:nvPr>
+        </p:nvSpPr>
+        <p:spPr/>
+        <p:txBody>
+          <a:bodyPr/>
+          <a:lstStyle/>
+          <a:p>
+            <a:pPr marL="342900" lvl="0" indent="-342900">
+              <a:buFont typeface="Arial" panose="020B0604020202020204" pitchFamily="34" charset="0"/>
+              <a:buChar char="•"/>
+            </a:pPr>
+            <a:r>
+              <a:rPr lang="de-DE" dirty="0"/>
+              <a:t>Fragestellung</a:t>
+            </a:r>
+          </a:p>
+          <a:p>
+            <a:pPr marL="630903" lvl="1" indent="-342900">
+              <a:buFont typeface="Arial" panose="020B0604020202020204" pitchFamily="34" charset="0"/>
+              <a:buChar char="•"/>
+            </a:pPr>
+            <a:r>
+              <a:rPr lang="de-DE" dirty="0"/>
+              <a:t>Wie lange brauchen Personen, um wieder auf den Weg zu kommen (mit </a:t>
+            </a:r>
+            <a:r>
+              <a:rPr lang="de-DE" dirty="0" err="1"/>
+              <a:t>Malus,ohne</a:t>
+            </a:r>
+            <a:r>
+              <a:rPr lang="de-DE" dirty="0"/>
+              <a:t> Malus/mit Sound, ohne Sound)</a:t>
+            </a:r>
+          </a:p>
+          <a:p>
+            <a:pPr marL="630903" lvl="1" indent="-342900">
+              <a:buFont typeface="Arial" panose="020B0604020202020204" pitchFamily="34" charset="0"/>
+              <a:buChar char="•"/>
+            </a:pPr>
+            <a:r>
+              <a:rPr lang="de-DE" dirty="0"/>
+              <a:t>Wie lange brauchen Probanden, um die Aufgabe komplett zu meistern?</a:t>
+            </a:r>
+          </a:p>
+          <a:p>
+            <a:pPr marL="630903" lvl="1" indent="-342900">
+              <a:buFont typeface="Arial" panose="020B0604020202020204" pitchFamily="34" charset="0"/>
+              <a:buChar char="•"/>
+            </a:pPr>
+            <a:r>
+              <a:rPr lang="de-DE" dirty="0"/>
+              <a:t>Wie oft wurde ein Malus ausgelöst? Ist ein Lerneffekt vorhanden?</a:t>
+            </a:r>
+          </a:p>
+          <a:p>
+            <a:pPr marL="630903" lvl="1" indent="-342900">
+              <a:buFont typeface="Arial" panose="020B0604020202020204" pitchFamily="34" charset="0"/>
+              <a:buChar char="•"/>
+            </a:pPr>
+            <a:r>
+              <a:rPr lang="de-DE" dirty="0"/>
+              <a:t>Dauer bis ein Hindernis/gefährlicher Gegenstand passiert wird</a:t>
+            </a:r>
+          </a:p>
+          <a:p>
+            <a:pPr marL="630903" lvl="1" indent="-342900">
+              <a:buFont typeface="Arial" panose="020B0604020202020204" pitchFamily="34" charset="0"/>
+              <a:buChar char="•"/>
+            </a:pPr>
+            <a:endParaRPr lang="de-DE" dirty="0"/>
+          </a:p>
+          <a:p>
+            <a:pPr marL="342900" indent="-342900">
+              <a:buFont typeface="Arial" panose="020B0604020202020204" pitchFamily="34" charset="0"/>
+              <a:buChar char="•"/>
+            </a:pPr>
+            <a:r>
+              <a:rPr lang="de-DE" dirty="0"/>
+              <a:t>Automatischer Export der Daten als CSV beim erfolgreichen Beenden des Weges</a:t>
+            </a:r>
+          </a:p>
+          <a:p>
+            <a:pPr lvl="0"/>
+            <a:endParaRPr lang="de-DE" dirty="0">
+              <a:solidFill>
+                <a:srgbClr val="DC3769"/>
+              </a:solidFill>
+            </a:endParaRPr>
+          </a:p>
+          <a:p>
+            <a:pPr marL="342900" lvl="0" indent="-342900">
+              <a:buFont typeface="Arial" panose="020B0604020202020204" pitchFamily="34" charset="0"/>
+              <a:buChar char="•"/>
+            </a:pPr>
+            <a:endParaRPr lang="de-DE" dirty="0"/>
+          </a:p>
+        </p:txBody>
+      </p:sp>
+      <p:sp>
+        <p:nvSpPr>
+          <p:cNvPr id="12" name="Datumsplatzhalter 11">
+            <a:extLst>
+              <a:ext uri="{FF2B5EF4-FFF2-40B4-BE49-F238E27FC236}">
+                <a16:creationId xmlns:a16="http://schemas.microsoft.com/office/drawing/2014/main" id="{80DD9277-7B03-46BA-A1AA-E0A86CA0FCF8}"/>
+              </a:ext>
+            </a:extLst>
+          </p:cNvPr>
+          <p:cNvSpPr>
+            <a:spLocks noGrp="1"/>
+          </p:cNvSpPr>
+          <p:nvPr>
+            <p:ph type="dt" sz="half" idx="10"/>
+          </p:nvPr>
+        </p:nvSpPr>
+        <p:spPr/>
+        <p:txBody>
+          <a:bodyPr/>
+          <a:lstStyle/>
+          <a:p>
+            <a:r>
+              <a:rPr lang="de-DE"/>
+              <a:t>Campus Sontheim</a:t>
+            </a:r>
+            <a:endParaRPr lang="de-DE" dirty="0"/>
+          </a:p>
+        </p:txBody>
+      </p:sp>
+      <p:sp>
+        <p:nvSpPr>
+          <p:cNvPr id="13" name="Fußzeilenplatzhalter 12">
+            <a:extLst>
+              <a:ext uri="{FF2B5EF4-FFF2-40B4-BE49-F238E27FC236}">
+                <a16:creationId xmlns:a16="http://schemas.microsoft.com/office/drawing/2014/main" id="{D5DEE2ED-DBC3-4D9A-AFA9-3BDED5578C13}"/>
+              </a:ext>
+            </a:extLst>
+          </p:cNvPr>
+          <p:cNvSpPr>
+            <a:spLocks noGrp="1"/>
+          </p:cNvSpPr>
+          <p:nvPr>
+            <p:ph type="ftr" sz="quarter" idx="11"/>
+          </p:nvPr>
+        </p:nvSpPr>
+        <p:spPr/>
+        <p:txBody>
+          <a:bodyPr/>
+          <a:lstStyle/>
+          <a:p>
+            <a:r>
+              <a:rPr lang="de-DE"/>
+              <a:t>Bachelorthesis Kolloquium | Robert Zlomke | IT / AIB |  WiSe 2020/21</a:t>
+            </a:r>
+            <a:endParaRPr lang="de-DE" dirty="0"/>
+          </a:p>
+        </p:txBody>
+      </p:sp>
+      <p:sp>
+        <p:nvSpPr>
+          <p:cNvPr id="14" name="Foliennummernplatzhalter 13">
+            <a:extLst>
+              <a:ext uri="{FF2B5EF4-FFF2-40B4-BE49-F238E27FC236}">
+                <a16:creationId xmlns:a16="http://schemas.microsoft.com/office/drawing/2014/main" id="{48BBC2E6-60FE-4027-B3AE-1C7F349E9526}"/>
+              </a:ext>
+            </a:extLst>
+          </p:cNvPr>
+          <p:cNvSpPr>
+            <a:spLocks noGrp="1"/>
+          </p:cNvSpPr>
+          <p:nvPr>
+            <p:ph type="sldNum" sz="quarter" idx="12"/>
+          </p:nvPr>
+        </p:nvSpPr>
+        <p:spPr/>
+        <p:txBody>
+          <a:bodyPr/>
+          <a:lstStyle/>
+          <a:p>
+            <a:r>
+              <a:rPr lang="de-DE"/>
+              <a:t>|  </a:t>
+            </a:r>
+            <a:fld id="{E6B5151A-17C4-4431-8407-112C0160A8B6}" type="slidenum">
+              <a:rPr lang="de-DE" smtClean="0"/>
+              <a:pPr/>
+              <a:t>12</a:t>
+            </a:fld>
+            <a:endParaRPr lang="de-DE" dirty="0"/>
+          </a:p>
+        </p:txBody>
+      </p:sp>
+    </p:spTree>
+    <p:extLst>
+      <p:ext uri="{BB962C8B-B14F-4D97-AF65-F5344CB8AC3E}">
+        <p14:creationId xmlns:p14="http://schemas.microsoft.com/office/powerpoint/2010/main" val="4198479314"/>
+      </p:ext>
+    </p:extLst>
+  </p:cSld>
+  <p:clrMapOvr>
+    <a:masterClrMapping/>
+  </p:clrMapOvr>
+</p:sld>
+</file>
+
+<file path=ppt/slides/slide13.xml><?xml version="1.0" encoding="utf-8"?>
+<p:sld xmlns:a="http://schemas.openxmlformats.org/drawingml/2006/main" xmlns:r="http://schemas.openxmlformats.org/officeDocument/2006/relationships" xmlns:p="http://schemas.openxmlformats.org/presentationml/2006/main">
+  <p:cSld>
+    <p:spTree>
+      <p:nvGrpSpPr>
+        <p:cNvPr id="1" name=""/>
+        <p:cNvGrpSpPr/>
+        <p:nvPr/>
+      </p:nvGrpSpPr>
+      <p:grpSpPr>
+        <a:xfrm>
+          <a:off x="0" y="0"/>
+          <a:ext cx="0" cy="0"/>
+          <a:chOff x="0" y="0"/>
+          <a:chExt cx="0" cy="0"/>
+        </a:xfrm>
+      </p:grpSpPr>
+      <p:sp>
+        <p:nvSpPr>
+          <p:cNvPr id="5" name="Titel 4"/>
+          <p:cNvSpPr>
+            <a:spLocks noGrp="1"/>
+          </p:cNvSpPr>
+          <p:nvPr>
+            <p:ph type="title"/>
+          </p:nvPr>
+        </p:nvSpPr>
+        <p:spPr/>
+        <p:txBody>
+          <a:bodyPr/>
+          <a:lstStyle/>
+          <a:p>
+            <a:r>
+              <a:rPr lang="de-DE" sz="2200" dirty="0"/>
+              <a:t>Vorgehensweise</a:t>
+            </a:r>
+            <a:br>
+              <a:rPr lang="de-DE" dirty="0"/>
+            </a:br>
+            <a:r>
+              <a:rPr lang="de-DE"/>
+              <a:t>- Evaluierung</a:t>
+            </a:r>
+            <a:br>
+              <a:rPr lang="de-DE" dirty="0"/>
+            </a:br>
+            <a:endParaRPr lang="de-DE" dirty="0"/>
+          </a:p>
+        </p:txBody>
+      </p:sp>
+      <p:sp>
+        <p:nvSpPr>
+          <p:cNvPr id="6" name="Inhaltsplatzhalter 5"/>
+          <p:cNvSpPr>
+            <a:spLocks noGrp="1"/>
+          </p:cNvSpPr>
+          <p:nvPr>
+            <p:ph idx="13"/>
+          </p:nvPr>
+        </p:nvSpPr>
+        <p:spPr/>
+        <p:txBody>
+          <a:bodyPr/>
+          <a:lstStyle/>
+          <a:p>
+            <a:pPr marL="342900" lvl="0" indent="-342900">
+              <a:buFont typeface="Arial" panose="020B0604020202020204" pitchFamily="34" charset="0"/>
+              <a:buChar char="•"/>
+            </a:pPr>
+            <a:endParaRPr lang="de-DE" dirty="0"/>
+          </a:p>
+          <a:p>
+            <a:pPr marL="342900" lvl="0" indent="-342900">
+              <a:buFont typeface="Arial" panose="020B0604020202020204" pitchFamily="34" charset="0"/>
+              <a:buChar char="•"/>
+            </a:pPr>
+            <a:r>
+              <a:rPr lang="de-DE" dirty="0"/>
+              <a:t>Sammeln von Daten durch eine Nutzergruppe von 15-20 Leuten</a:t>
+            </a:r>
+          </a:p>
+          <a:p>
+            <a:pPr marL="342900" lvl="0" indent="-342900">
+              <a:buFont typeface="Arial" panose="020B0604020202020204" pitchFamily="34" charset="0"/>
+              <a:buChar char="•"/>
+            </a:pPr>
+            <a:r>
+              <a:rPr lang="de-DE" dirty="0"/>
+              <a:t>Jede Person läuft alle 3 Szenarien nacheinander durch</a:t>
+            </a:r>
+          </a:p>
+          <a:p>
+            <a:pPr marL="342900" lvl="0" indent="-342900">
+              <a:buFont typeface="Arial" panose="020B0604020202020204" pitchFamily="34" charset="0"/>
+              <a:buChar char="•"/>
+            </a:pPr>
+            <a:r>
+              <a:rPr lang="de-DE" dirty="0"/>
+              <a:t>Ein Online Fragebogen wird am Ende von jeder Person ausgefüllt</a:t>
+            </a:r>
+          </a:p>
+          <a:p>
+            <a:pPr marL="342900" lvl="0" indent="-342900">
+              <a:buFont typeface="Arial" panose="020B0604020202020204" pitchFamily="34" charset="0"/>
+              <a:buChar char="•"/>
+            </a:pPr>
+            <a:r>
+              <a:rPr lang="de-DE" dirty="0"/>
+              <a:t>Analysieren der Daten mit Hilfe von R-Studio</a:t>
+            </a:r>
+          </a:p>
+          <a:p>
+            <a:pPr lvl="0"/>
+            <a:endParaRPr lang="de-DE" dirty="0"/>
+          </a:p>
+          <a:p>
+            <a:r>
+              <a:rPr lang="de-DE" dirty="0">
+                <a:solidFill>
+                  <a:schemeClr val="accent1"/>
+                </a:solidFill>
+              </a:rPr>
+              <a:t>		Ggf. Anpassung der Evaluierung durch die erschwerte aktuelle Lage </a:t>
+            </a:r>
+          </a:p>
+          <a:p>
+            <a:pPr lvl="0"/>
+            <a:endParaRPr lang="de-DE" dirty="0"/>
+          </a:p>
+        </p:txBody>
+      </p:sp>
+      <p:sp>
+        <p:nvSpPr>
+          <p:cNvPr id="12" name="Datumsplatzhalter 11">
+            <a:extLst>
+              <a:ext uri="{FF2B5EF4-FFF2-40B4-BE49-F238E27FC236}">
+                <a16:creationId xmlns:a16="http://schemas.microsoft.com/office/drawing/2014/main" id="{80DD9277-7B03-46BA-A1AA-E0A86CA0FCF8}"/>
+              </a:ext>
+            </a:extLst>
+          </p:cNvPr>
+          <p:cNvSpPr>
+            <a:spLocks noGrp="1"/>
+          </p:cNvSpPr>
+          <p:nvPr>
+            <p:ph type="dt" sz="half" idx="10"/>
+          </p:nvPr>
+        </p:nvSpPr>
+        <p:spPr/>
+        <p:txBody>
+          <a:bodyPr/>
+          <a:lstStyle/>
+          <a:p>
+            <a:r>
+              <a:rPr lang="de-DE"/>
+              <a:t>Campus Sontheim</a:t>
+            </a:r>
+            <a:endParaRPr lang="de-DE" dirty="0"/>
+          </a:p>
+        </p:txBody>
+      </p:sp>
+      <p:sp>
+        <p:nvSpPr>
+          <p:cNvPr id="13" name="Fußzeilenplatzhalter 12">
+            <a:extLst>
+              <a:ext uri="{FF2B5EF4-FFF2-40B4-BE49-F238E27FC236}">
+                <a16:creationId xmlns:a16="http://schemas.microsoft.com/office/drawing/2014/main" id="{D5DEE2ED-DBC3-4D9A-AFA9-3BDED5578C13}"/>
+              </a:ext>
+            </a:extLst>
+          </p:cNvPr>
+          <p:cNvSpPr>
+            <a:spLocks noGrp="1"/>
+          </p:cNvSpPr>
+          <p:nvPr>
+            <p:ph type="ftr" sz="quarter" idx="11"/>
+          </p:nvPr>
+        </p:nvSpPr>
+        <p:spPr/>
+        <p:txBody>
+          <a:bodyPr/>
+          <a:lstStyle/>
+          <a:p>
+            <a:r>
+              <a:rPr lang="de-DE"/>
+              <a:t>Bachelorthesis Kolloquium | Robert Zlomke | IT / AIB |  WiSe 2020/21</a:t>
+            </a:r>
+            <a:endParaRPr lang="de-DE" dirty="0"/>
+          </a:p>
+        </p:txBody>
+      </p:sp>
+      <p:sp>
+        <p:nvSpPr>
+          <p:cNvPr id="14" name="Foliennummernplatzhalter 13">
+            <a:extLst>
+              <a:ext uri="{FF2B5EF4-FFF2-40B4-BE49-F238E27FC236}">
+                <a16:creationId xmlns:a16="http://schemas.microsoft.com/office/drawing/2014/main" id="{48BBC2E6-60FE-4027-B3AE-1C7F349E9526}"/>
+              </a:ext>
+            </a:extLst>
+          </p:cNvPr>
+          <p:cNvSpPr>
+            <a:spLocks noGrp="1"/>
+          </p:cNvSpPr>
+          <p:nvPr>
+            <p:ph type="sldNum" sz="quarter" idx="12"/>
+          </p:nvPr>
+        </p:nvSpPr>
+        <p:spPr/>
+        <p:txBody>
+          <a:bodyPr/>
+          <a:lstStyle/>
+          <a:p>
+            <a:r>
+              <a:rPr lang="de-DE"/>
+              <a:t>|  </a:t>
+            </a:r>
+            <a:fld id="{E6B5151A-17C4-4431-8407-112C0160A8B6}" type="slidenum">
+              <a:rPr lang="de-DE" smtClean="0"/>
+              <a:pPr/>
+              <a:t>13</a:t>
+            </a:fld>
+            <a:endParaRPr lang="de-DE" dirty="0"/>
+          </a:p>
+        </p:txBody>
+      </p:sp>
+    </p:spTree>
+    <p:extLst>
+      <p:ext uri="{BB962C8B-B14F-4D97-AF65-F5344CB8AC3E}">
+        <p14:creationId xmlns:p14="http://schemas.microsoft.com/office/powerpoint/2010/main" val="1232412107"/>
+      </p:ext>
+    </p:extLst>
+  </p:cSld>
+  <p:clrMapOvr>
+    <a:masterClrMapping/>
+  </p:clrMapOvr>
+</p:sld>
+</file>
+
+<file path=ppt/slides/slide14.xml><?xml version="1.0" encoding="utf-8"?>
+<p:sld xmlns:a="http://schemas.openxmlformats.org/drawingml/2006/main" xmlns:r="http://schemas.openxmlformats.org/officeDocument/2006/relationships" xmlns:p="http://schemas.openxmlformats.org/presentationml/2006/main">
+  <p:cSld>
+    <p:spTree>
+      <p:nvGrpSpPr>
+        <p:cNvPr id="1" name=""/>
+        <p:cNvGrpSpPr/>
+        <p:nvPr/>
+      </p:nvGrpSpPr>
+      <p:grpSpPr>
+        <a:xfrm>
+          <a:off x="0" y="0"/>
+          <a:ext cx="0" cy="0"/>
+          <a:chOff x="0" y="0"/>
+          <a:chExt cx="0" cy="0"/>
+        </a:xfrm>
+      </p:grpSpPr>
+      <p:sp>
+        <p:nvSpPr>
+          <p:cNvPr id="5" name="Titel 4"/>
+          <p:cNvSpPr>
+            <a:spLocks noGrp="1"/>
+          </p:cNvSpPr>
+          <p:nvPr>
+            <p:ph type="title"/>
+          </p:nvPr>
+        </p:nvSpPr>
+        <p:spPr/>
+        <p:txBody>
+          <a:bodyPr/>
+          <a:lstStyle/>
+          <a:p>
+            <a:pPr lvl="0"/>
+            <a:r>
+              <a:rPr lang="de-DE" dirty="0"/>
+              <a:t>Zeitplan</a:t>
+            </a:r>
+          </a:p>
+        </p:txBody>
+      </p:sp>
+      <p:sp>
+        <p:nvSpPr>
+          <p:cNvPr id="6" name="Inhaltsplatzhalter 5"/>
+          <p:cNvSpPr>
+            <a:spLocks noGrp="1"/>
+          </p:cNvSpPr>
+          <p:nvPr>
+            <p:ph idx="13"/>
+          </p:nvPr>
+        </p:nvSpPr>
+        <p:spPr/>
+        <p:txBody>
+          <a:bodyPr/>
+          <a:lstStyle/>
+          <a:p>
+            <a:pPr lvl="0"/>
+            <a:r>
+              <a:rPr lang="de-DE" dirty="0"/>
+              <a:t>•</a:t>
+            </a:r>
+            <a:endParaRPr lang="de-DE" dirty="0">
+              <a:solidFill>
+                <a:srgbClr val="DC3769"/>
+              </a:solidFill>
+            </a:endParaRPr>
+          </a:p>
+        </p:txBody>
+      </p:sp>
+      <p:sp>
+        <p:nvSpPr>
+          <p:cNvPr id="12" name="Datumsplatzhalter 11">
+            <a:extLst>
+              <a:ext uri="{FF2B5EF4-FFF2-40B4-BE49-F238E27FC236}">
+                <a16:creationId xmlns:a16="http://schemas.microsoft.com/office/drawing/2014/main" id="{80DD9277-7B03-46BA-A1AA-E0A86CA0FCF8}"/>
+              </a:ext>
+            </a:extLst>
+          </p:cNvPr>
+          <p:cNvSpPr>
+            <a:spLocks noGrp="1"/>
+          </p:cNvSpPr>
+          <p:nvPr>
+            <p:ph type="dt" sz="half" idx="10"/>
+          </p:nvPr>
+        </p:nvSpPr>
+        <p:spPr/>
+        <p:txBody>
+          <a:bodyPr/>
+          <a:lstStyle/>
+          <a:p>
+            <a:r>
+              <a:rPr lang="de-DE"/>
+              <a:t>Campus Sontheim</a:t>
+            </a:r>
+            <a:endParaRPr lang="de-DE" dirty="0"/>
+          </a:p>
+        </p:txBody>
+      </p:sp>
+      <p:sp>
+        <p:nvSpPr>
+          <p:cNvPr id="13" name="Fußzeilenplatzhalter 12">
+            <a:extLst>
+              <a:ext uri="{FF2B5EF4-FFF2-40B4-BE49-F238E27FC236}">
+                <a16:creationId xmlns:a16="http://schemas.microsoft.com/office/drawing/2014/main" id="{D5DEE2ED-DBC3-4D9A-AFA9-3BDED5578C13}"/>
+              </a:ext>
+            </a:extLst>
+          </p:cNvPr>
+          <p:cNvSpPr>
+            <a:spLocks noGrp="1"/>
+          </p:cNvSpPr>
+          <p:nvPr>
+            <p:ph type="ftr" sz="quarter" idx="11"/>
+          </p:nvPr>
+        </p:nvSpPr>
+        <p:spPr/>
+        <p:txBody>
+          <a:bodyPr/>
+          <a:lstStyle/>
+          <a:p>
+            <a:r>
+              <a:rPr lang="de-DE"/>
+              <a:t>Bachelorthesis Kolloquium | Robert Zlomke | IT / AIB |  WiSe 2020/21</a:t>
+            </a:r>
+            <a:endParaRPr lang="de-DE" dirty="0"/>
+          </a:p>
+        </p:txBody>
+      </p:sp>
+      <p:sp>
+        <p:nvSpPr>
+          <p:cNvPr id="14" name="Foliennummernplatzhalter 13">
+            <a:extLst>
+              <a:ext uri="{FF2B5EF4-FFF2-40B4-BE49-F238E27FC236}">
+                <a16:creationId xmlns:a16="http://schemas.microsoft.com/office/drawing/2014/main" id="{48BBC2E6-60FE-4027-B3AE-1C7F349E9526}"/>
+              </a:ext>
+            </a:extLst>
+          </p:cNvPr>
+          <p:cNvSpPr>
+            <a:spLocks noGrp="1"/>
+          </p:cNvSpPr>
+          <p:nvPr>
+            <p:ph type="sldNum" sz="quarter" idx="12"/>
+          </p:nvPr>
+        </p:nvSpPr>
+        <p:spPr/>
+        <p:txBody>
+          <a:bodyPr/>
+          <a:lstStyle/>
+          <a:p>
+            <a:r>
+              <a:rPr lang="de-DE"/>
+              <a:t>|  </a:t>
+            </a:r>
+            <a:fld id="{E6B5151A-17C4-4431-8407-112C0160A8B6}" type="slidenum">
+              <a:rPr lang="de-DE" smtClean="0"/>
+              <a:pPr/>
+              <a:t>14</a:t>
+            </a:fld>
+            <a:endParaRPr lang="de-DE" dirty="0"/>
+          </a:p>
+        </p:txBody>
+      </p:sp>
+      <p:pic>
+        <p:nvPicPr>
+          <p:cNvPr id="3" name="Grafik 2">
+            <a:extLst>
+              <a:ext uri="{FF2B5EF4-FFF2-40B4-BE49-F238E27FC236}">
+                <a16:creationId xmlns:a16="http://schemas.microsoft.com/office/drawing/2014/main" id="{4D29D65D-D2DE-4167-ADA1-66AD8D5CAEEF}"/>
+              </a:ext>
+            </a:extLst>
+          </p:cNvPr>
+          <p:cNvPicPr>
+            <a:picLocks noChangeAspect="1"/>
+          </p:cNvPicPr>
+          <p:nvPr/>
+        </p:nvPicPr>
+        <p:blipFill>
+          <a:blip r:embed="rId2"/>
+          <a:stretch>
+            <a:fillRect/>
+          </a:stretch>
+        </p:blipFill>
+        <p:spPr>
+          <a:xfrm>
+            <a:off x="406401" y="2033591"/>
+            <a:ext cx="11251660" cy="3715276"/>
+          </a:xfrm>
+          <a:prstGeom prst="rect">
+            <a:avLst/>
+          </a:prstGeom>
+        </p:spPr>
+      </p:pic>
+    </p:spTree>
+    <p:extLst>
+      <p:ext uri="{BB962C8B-B14F-4D97-AF65-F5344CB8AC3E}">
+        <p14:creationId xmlns:p14="http://schemas.microsoft.com/office/powerpoint/2010/main" val="119546531"/>
+      </p:ext>
+    </p:extLst>
+  </p:cSld>
+  <p:clrMapOvr>
+    <a:masterClrMapping/>
+  </p:clrMapOvr>
+</p:sld>
+</file>
+
+<file path=ppt/slides/slide15.xml><?xml version="1.0" encoding="utf-8"?>
+<p:sld xmlns:a="http://schemas.openxmlformats.org/drawingml/2006/main" xmlns:r="http://schemas.openxmlformats.org/officeDocument/2006/relationships" xmlns:p="http://schemas.openxmlformats.org/presentationml/2006/main">
+  <p:cSld>
+    <p:spTree>
+      <p:nvGrpSpPr>
+        <p:cNvPr id="1" name=""/>
+        <p:cNvGrpSpPr/>
+        <p:nvPr/>
+      </p:nvGrpSpPr>
+      <p:grpSpPr>
+        <a:xfrm>
+          <a:off x="0" y="0"/>
+          <a:ext cx="0" cy="0"/>
+          <a:chOff x="0" y="0"/>
+          <a:chExt cx="0" cy="0"/>
+        </a:xfrm>
+      </p:grpSpPr>
+      <p:sp>
+        <p:nvSpPr>
           <p:cNvPr id="12" name="Titel 11"/>
           <p:cNvSpPr>
             <a:spLocks noGrp="1"/>
@@ -15617,7 +16800,7 @@
             <a:fld id="{E6B5151A-17C4-4431-8407-112C0160A8B6}" type="slidenum">
               <a:rPr lang="de-DE" smtClean="0"/>
               <a:pPr/>
-              <a:t>10</a:t>
+              <a:t>15</a:t>
             </a:fld>
             <a:endParaRPr lang="de-DE" dirty="0"/>
           </a:p>
@@ -15636,7 +16819,7 @@
 </p:sld>
 </file>
 
-<file path=ppt/slides/slide11.xml><?xml version="1.0" encoding="utf-8"?>
+<file path=ppt/slides/slide16.xml><?xml version="1.0" encoding="utf-8"?>
 <p:sld xmlns:a="http://schemas.openxmlformats.org/drawingml/2006/main" xmlns:r="http://schemas.openxmlformats.org/officeDocument/2006/relationships" xmlns:p="http://schemas.openxmlformats.org/presentationml/2006/main">
   <p:cSld>
     <p:spTree>
@@ -15777,7 +16960,7 @@
                   <a:spcPts val="600"/>
                 </a:spcAft>
               </a:pPr>
-              <a:t>11</a:t>
+              <a:t>16</a:t>
             </a:fld>
             <a:endParaRPr lang="de-DE"/>
           </a:p>
@@ -15806,9 +16989,6 @@
           <a:lstStyle/>
           <a:p>
             <a:pPr lvl="0"/>
-            <a:br>
-              <a:rPr lang="de-DE" dirty="0"/>
-            </a:br>
             <a:r>
               <a:rPr lang="de-DE" dirty="0"/>
               <a:t>Oculus Quest</a:t>
@@ -15946,7 +17126,7 @@
 </p:sld>
 </file>
 
-<file path=ppt/slides/slide12.xml><?xml version="1.0" encoding="utf-8"?>
+<file path=ppt/slides/slide17.xml><?xml version="1.0" encoding="utf-8"?>
 <p:sld xmlns:a="http://schemas.openxmlformats.org/drawingml/2006/main" xmlns:r="http://schemas.openxmlformats.org/officeDocument/2006/relationships" xmlns:p="http://schemas.openxmlformats.org/presentationml/2006/main">
   <p:cSld>
     <p:spTree>
@@ -16087,7 +17267,7 @@
                   <a:spcPts val="600"/>
                 </a:spcAft>
               </a:pPr>
-              <a:t>12</a:t>
+              <a:t>17</a:t>
             </a:fld>
             <a:endParaRPr lang="de-DE"/>
           </a:p>
@@ -16116,9 +17296,6 @@
           <a:lstStyle/>
           <a:p>
             <a:pPr lvl="0"/>
-            <a:br>
-              <a:rPr lang="de-DE" dirty="0"/>
-            </a:br>
             <a:r>
               <a:rPr lang="de-DE" dirty="0"/>
               <a:t>Unity 3D</a:t>
@@ -16174,7 +17351,7 @@
             </a:pPr>
             <a:r>
               <a:rPr lang="de-DE" dirty="0"/>
-              <a:t>3D Objekte werden z .B. Animationen, Texturen, Physics, Skripte zugeordnet</a:t>
+              <a:t>Meistgenutzte VR-Entwicklungsplattform</a:t>
             </a:r>
           </a:p>
           <a:p>
@@ -16184,7 +17361,7 @@
             </a:pPr>
             <a:r>
               <a:rPr lang="de-DE" dirty="0"/>
-              <a:t>Die Szene wird in der Game View simuliert und getestet</a:t>
+              <a:t>Android Support um Vergleich zu den anderen Entwicklungsumgebungen wie die Unreal Engine am umfangreichsten</a:t>
             </a:r>
           </a:p>
         </p:txBody>
@@ -16233,7 +17410,7 @@
 </p:sld>
 </file>
 
-<file path=ppt/slides/slide13.xml><?xml version="1.0" encoding="utf-8"?>
+<file path=ppt/slides/slide18.xml><?xml version="1.0" encoding="utf-8"?>
 <p:sld xmlns:a="http://schemas.openxmlformats.org/drawingml/2006/main" xmlns:r="http://schemas.openxmlformats.org/officeDocument/2006/relationships" xmlns:p="http://schemas.openxmlformats.org/presentationml/2006/main">
   <p:cSld>
     <p:spTree>
@@ -16374,7 +17551,7 @@
                   <a:spcPts val="600"/>
                 </a:spcAft>
               </a:pPr>
-              <a:t>13</a:t>
+              <a:t>18</a:t>
             </a:fld>
             <a:endParaRPr lang="de-DE"/>
           </a:p>
@@ -16403,9 +17580,6 @@
           <a:lstStyle/>
           <a:p>
             <a:pPr lvl="0"/>
-            <a:br>
-              <a:rPr lang="de-DE" dirty="0"/>
-            </a:br>
             <a:r>
               <a:rPr lang="de-DE" dirty="0"/>
               <a:t>Bisherige Ergebnisse</a:t>
@@ -16476,7 +17650,7 @@
             </a:pPr>
             <a:r>
               <a:rPr lang="de-DE" dirty="0"/>
-              <a:t>Den zu laufenden Weg für die 3 Szenarios vorbereitet</a:t>
+              <a:t>Den zu laufenden Weg der 3 Szenarios vorbereitet</a:t>
             </a:r>
           </a:p>
           <a:p>
@@ -16535,7 +17709,7 @@
 </p:sld>
 </file>
 
-<file path=ppt/slides/slide14.xml><?xml version="1.0" encoding="utf-8"?>
+<file path=ppt/slides/slide19.xml><?xml version="1.0" encoding="utf-8"?>
 <p:sld xmlns:a="http://schemas.openxmlformats.org/drawingml/2006/main" xmlns:r="http://schemas.openxmlformats.org/officeDocument/2006/relationships" xmlns:p="http://schemas.openxmlformats.org/presentationml/2006/main">
   <p:cSld>
     <p:spTree>
@@ -16568,9 +17742,6 @@
           <a:lstStyle/>
           <a:p>
             <a:pPr lvl="0"/>
-            <a:br>
-              <a:rPr lang="de-DE" dirty="0"/>
-            </a:br>
             <a:r>
               <a:rPr lang="de-DE" dirty="0"/>
               <a:t>Bisherige Ergebnisse</a:t>
@@ -16606,7 +17777,7 @@
             </a:pPr>
             <a:r>
               <a:rPr lang="de-DE" dirty="0"/>
-              <a:t>Oculus Quest Integration als Schnittstelle zum Headset eingebunden</a:t>
+              <a:t>Oculus Quest Integration als Schnittstelle zum Headset eingebunden und konfiguriert</a:t>
             </a:r>
           </a:p>
           <a:p>
@@ -16616,7 +17787,7 @@
             </a:pPr>
             <a:r>
               <a:rPr lang="de-DE" dirty="0"/>
-              <a:t>Malus in das Projekt integriert</a:t>
+              <a:t>Malus in das Projekt integriert und angepasst</a:t>
             </a:r>
           </a:p>
           <a:p>
@@ -16626,15 +17797,8 @@
             </a:pPr>
             <a:r>
               <a:rPr lang="de-DE" dirty="0"/>
-              <a:t>Datenerfassung für die spätere Auswertung begonnen zu implementieren</a:t>
-            </a:r>
-          </a:p>
-          <a:p>
-            <a:pPr marL="342900" lvl="0" indent="-342900">
-              <a:buFont typeface="Arial" panose="020B0604020202020204" pitchFamily="34" charset="0"/>
-              <a:buChar char="•"/>
-            </a:pPr>
-            <a:endParaRPr lang="de-DE" dirty="0"/>
+              <a:t>Implementieren der Datenerfassung für die spätere Auswertung begonnen</a:t>
+            </a:r>
           </a:p>
         </p:txBody>
       </p:sp>
@@ -16724,7 +17888,7 @@
             <a:fld id="{E6B5151A-17C4-4431-8407-112C0160A8B6}" type="slidenum">
               <a:rPr lang="de-DE" smtClean="0"/>
               <a:pPr/>
-              <a:t>14</a:t>
+              <a:t>19</a:t>
             </a:fld>
             <a:endParaRPr lang="de-DE" dirty="0"/>
           </a:p>
@@ -16743,7 +17907,188 @@
 </p:sld>
 </file>
 
-<file path=ppt/slides/slide15.xml><?xml version="1.0" encoding="utf-8"?>
+<file path=ppt/slides/slide2.xml><?xml version="1.0" encoding="utf-8"?>
+<p:sld xmlns:a="http://schemas.openxmlformats.org/drawingml/2006/main" xmlns:r="http://schemas.openxmlformats.org/officeDocument/2006/relationships" xmlns:p="http://schemas.openxmlformats.org/presentationml/2006/main">
+  <p:cSld>
+    <p:spTree>
+      <p:nvGrpSpPr>
+        <p:cNvPr id="1" name=""/>
+        <p:cNvGrpSpPr/>
+        <p:nvPr/>
+      </p:nvGrpSpPr>
+      <p:grpSpPr>
+        <a:xfrm>
+          <a:off x="0" y="0"/>
+          <a:ext cx="0" cy="0"/>
+          <a:chOff x="0" y="0"/>
+          <a:chExt cx="0" cy="0"/>
+        </a:xfrm>
+      </p:grpSpPr>
+      <p:sp>
+        <p:nvSpPr>
+          <p:cNvPr id="12" name="Titel 11"/>
+          <p:cNvSpPr>
+            <a:spLocks noGrp="1"/>
+          </p:cNvSpPr>
+          <p:nvPr>
+            <p:ph type="ctrTitle"/>
+          </p:nvPr>
+        </p:nvSpPr>
+        <p:spPr/>
+        <p:txBody>
+          <a:bodyPr/>
+          <a:lstStyle/>
+          <a:p>
+            <a:r>
+              <a:rPr lang="de-DE"/>
+              <a:t>ZWISCHENTITEL</a:t>
+            </a:r>
+            <a:br>
+              <a:rPr lang="de-DE"/>
+            </a:br>
+            <a:r>
+              <a:rPr lang="de-DE"/>
+              <a:t>TRENNERSEITE</a:t>
+            </a:r>
+            <a:endParaRPr lang="de-DE" dirty="0"/>
+          </a:p>
+        </p:txBody>
+      </p:sp>
+      <p:sp>
+        <p:nvSpPr>
+          <p:cNvPr id="7" name="Vertikaler Textplatzhalter 6"/>
+          <p:cNvSpPr>
+            <a:spLocks noGrp="1"/>
+          </p:cNvSpPr>
+          <p:nvPr>
+            <p:ph type="body" orient="vert" idx="13"/>
+          </p:nvPr>
+        </p:nvSpPr>
+        <p:spPr/>
+        <p:txBody>
+          <a:bodyPr/>
+          <a:lstStyle/>
+          <a:p>
+            <a:r>
+              <a:rPr lang="pt-BR"/>
+              <a:t>Unt quas sit mo dostectur:</a:t>
+            </a:r>
+          </a:p>
+          <a:p>
+            <a:r>
+              <a:rPr lang="de-DE"/>
+              <a:t>consequodioomni doloris</a:t>
+            </a:r>
+            <a:endParaRPr lang="de-DE" dirty="0"/>
+          </a:p>
+        </p:txBody>
+      </p:sp>
+      <p:sp>
+        <p:nvSpPr>
+          <p:cNvPr id="11" name="Datumsplatzhalter 10">
+            <a:extLst>
+              <a:ext uri="{FF2B5EF4-FFF2-40B4-BE49-F238E27FC236}">
+                <a16:creationId xmlns:a16="http://schemas.microsoft.com/office/drawing/2014/main" id="{1157627F-B7DC-4EFF-BD81-1A592AB81FDE}"/>
+              </a:ext>
+            </a:extLst>
+          </p:cNvPr>
+          <p:cNvSpPr>
+            <a:spLocks noGrp="1"/>
+          </p:cNvSpPr>
+          <p:nvPr>
+            <p:ph type="dt" sz="half" idx="10"/>
+          </p:nvPr>
+        </p:nvSpPr>
+        <p:spPr/>
+        <p:txBody>
+          <a:bodyPr/>
+          <a:lstStyle/>
+          <a:p>
+            <a:r>
+              <a:rPr lang="de-DE"/>
+              <a:t>Campus Sontheim</a:t>
+            </a:r>
+            <a:endParaRPr lang="de-DE" dirty="0"/>
+          </a:p>
+        </p:txBody>
+      </p:sp>
+      <p:sp>
+        <p:nvSpPr>
+          <p:cNvPr id="13" name="Fußzeilenplatzhalter 12">
+            <a:extLst>
+              <a:ext uri="{FF2B5EF4-FFF2-40B4-BE49-F238E27FC236}">
+                <a16:creationId xmlns:a16="http://schemas.microsoft.com/office/drawing/2014/main" id="{A5FA3907-DD6F-499A-A65E-989C1842BAD7}"/>
+              </a:ext>
+            </a:extLst>
+          </p:cNvPr>
+          <p:cNvSpPr>
+            <a:spLocks noGrp="1"/>
+          </p:cNvSpPr>
+          <p:nvPr>
+            <p:ph type="ftr" sz="quarter" idx="11"/>
+          </p:nvPr>
+        </p:nvSpPr>
+        <p:spPr/>
+        <p:txBody>
+          <a:bodyPr/>
+          <a:lstStyle/>
+          <a:p>
+            <a:r>
+              <a:rPr lang="de-DE"/>
+              <a:t>Bachelorthesis Kolloquium | Robert Zlomke | IT / AIB |  WiSe 2020/21</a:t>
+            </a:r>
+            <a:endParaRPr lang="de-DE" dirty="0"/>
+          </a:p>
+        </p:txBody>
+      </p:sp>
+      <p:sp>
+        <p:nvSpPr>
+          <p:cNvPr id="14" name="Foliennummernplatzhalter 13">
+            <a:extLst>
+              <a:ext uri="{FF2B5EF4-FFF2-40B4-BE49-F238E27FC236}">
+                <a16:creationId xmlns:a16="http://schemas.microsoft.com/office/drawing/2014/main" id="{BE13F4B6-5C66-434E-98D4-89A7550EC872}"/>
+              </a:ext>
+            </a:extLst>
+          </p:cNvPr>
+          <p:cNvSpPr>
+            <a:spLocks noGrp="1"/>
+          </p:cNvSpPr>
+          <p:nvPr>
+            <p:ph type="sldNum" sz="quarter" idx="12"/>
+          </p:nvPr>
+        </p:nvSpPr>
+        <p:spPr/>
+        <p:txBody>
+          <a:bodyPr/>
+          <a:lstStyle/>
+          <a:p>
+            <a:r>
+              <a:rPr lang="de-DE"/>
+              <a:t>|  </a:t>
+            </a:r>
+            <a:fld id="{E6B5151A-17C4-4431-8407-112C0160A8B6}" type="slidenum">
+              <a:rPr lang="de-DE" smtClean="0"/>
+              <a:pPr/>
+              <a:t>2</a:t>
+            </a:fld>
+            <a:endParaRPr lang="de-DE" dirty="0"/>
+          </a:p>
+        </p:txBody>
+      </p:sp>
+    </p:spTree>
+    <p:extLst>
+      <p:ext uri="{BB962C8B-B14F-4D97-AF65-F5344CB8AC3E}">
+        <p14:creationId xmlns:p14="http://schemas.microsoft.com/office/powerpoint/2010/main" val="1503323803"/>
+      </p:ext>
+    </p:extLst>
+  </p:cSld>
+  <p:clrMapOvr>
+    <a:masterClrMapping/>
+  </p:clrMapOvr>
+</p:sld>
+</file>
+
+<file path=ppt/slides/slide20.xml><?xml version="1.0" encoding="utf-8"?>
 <p:sld xmlns:a="http://schemas.openxmlformats.org/drawingml/2006/main" xmlns:r="http://schemas.openxmlformats.org/officeDocument/2006/relationships" xmlns:p="http://schemas.openxmlformats.org/presentationml/2006/main">
   <p:cSld>
     <p:spTree>
@@ -16776,9 +18121,6 @@
           <a:lstStyle/>
           <a:p>
             <a:pPr lvl="0"/>
-            <a:br>
-              <a:rPr lang="de-DE" dirty="0"/>
-            </a:br>
             <a:r>
               <a:rPr lang="de-DE" dirty="0"/>
               <a:t>Bisherige Ergebnisse (Demo)</a:t>
@@ -16902,7 +18244,7 @@
             <a:fld id="{E6B5151A-17C4-4431-8407-112C0160A8B6}" type="slidenum">
               <a:rPr lang="de-DE" smtClean="0"/>
               <a:pPr/>
-              <a:t>15</a:t>
+              <a:t>20</a:t>
             </a:fld>
             <a:endParaRPr lang="de-DE" dirty="0"/>
           </a:p>
@@ -17089,7 +18431,7 @@
 </p:sld>
 </file>
 
-<file path=ppt/slides/slide16.xml><?xml version="1.0" encoding="utf-8"?>
+<file path=ppt/slides/slide21.xml><?xml version="1.0" encoding="utf-8"?>
 <p:sld xmlns:a="http://schemas.openxmlformats.org/drawingml/2006/main" xmlns:r="http://schemas.openxmlformats.org/officeDocument/2006/relationships" xmlns:p="http://schemas.openxmlformats.org/presentationml/2006/main">
   <p:cSld>
     <p:spTree>
@@ -17122,9 +18464,6 @@
           <a:lstStyle/>
           <a:p>
             <a:pPr lvl="0"/>
-            <a:br>
-              <a:rPr lang="de-DE" dirty="0"/>
-            </a:br>
             <a:r>
               <a:rPr lang="de-DE" dirty="0"/>
               <a:t>Offene Fragen</a:t>
@@ -17151,9 +18490,16 @@
               <a:buFont typeface="Arial" panose="020B0604020202020204" pitchFamily="34" charset="0"/>
               <a:buChar char="•"/>
             </a:pPr>
+            <a:endParaRPr lang="de-DE" dirty="0"/>
+          </a:p>
+          <a:p>
+            <a:pPr marL="342900" lvl="0" indent="-342900">
+              <a:buFont typeface="Arial" panose="020B0604020202020204" pitchFamily="34" charset="0"/>
+              <a:buChar char="•"/>
+            </a:pPr>
             <a:r>
               <a:rPr lang="de-DE" dirty="0"/>
-              <a:t>Durchführung der Evaluierung durch die aktuelle Situation</a:t>
+              <a:t>Durchführung der Evaluierung in der aktuellen Situation sehr schwierig</a:t>
             </a:r>
           </a:p>
           <a:p>
@@ -17264,7 +18610,7 @@
             <a:fld id="{E6B5151A-17C4-4431-8407-112C0160A8B6}" type="slidenum">
               <a:rPr lang="de-DE" smtClean="0"/>
               <a:pPr/>
-              <a:t>16</a:t>
+              <a:t>21</a:t>
             </a:fld>
             <a:endParaRPr lang="de-DE" dirty="0"/>
           </a:p>
@@ -17283,7 +18629,7 @@
 </p:sld>
 </file>
 
-<file path=ppt/slides/slide17.xml><?xml version="1.0" encoding="utf-8"?>
+<file path=ppt/slides/slide22.xml><?xml version="1.0" encoding="utf-8"?>
 <p:sld xmlns:a="http://schemas.openxmlformats.org/drawingml/2006/main" xmlns:r="http://schemas.openxmlformats.org/officeDocument/2006/relationships" xmlns:p="http://schemas.openxmlformats.org/presentationml/2006/main">
   <p:cSld>
     <p:spTree>
@@ -17316,9 +18662,6 @@
           <a:lstStyle/>
           <a:p>
             <a:pPr lvl="0"/>
-            <a:br>
-              <a:rPr lang="de-DE" dirty="0"/>
-            </a:br>
             <a:r>
               <a:rPr lang="de-DE" dirty="0"/>
               <a:t>Weitere Vorgehensweise</a:t>
@@ -17345,10 +18688,7 @@
               <a:buFont typeface="Arial" panose="020B0604020202020204" pitchFamily="34" charset="0"/>
               <a:buChar char="•"/>
             </a:pPr>
-            <a:r>
-              <a:rPr lang="de-DE" dirty="0"/>
-              <a:t>Datenerfassung vollständig implementieren</a:t>
-            </a:r>
+            <a:endParaRPr lang="de-DE" dirty="0"/>
           </a:p>
           <a:p>
             <a:pPr marL="342900" lvl="0" indent="-342900">
@@ -17357,7 +18697,7 @@
             </a:pPr>
             <a:r>
               <a:rPr lang="de-DE" dirty="0"/>
-              <a:t>Fragebogen erstellen</a:t>
+              <a:t>Datenerfassung und Export vollständig implementieren</a:t>
             </a:r>
           </a:p>
           <a:p>
@@ -17367,8 +18707,23 @@
             </a:pPr>
             <a:r>
               <a:rPr lang="de-DE" dirty="0"/>
-              <a:t>Auswertung der gesammelten Daten</a:t>
-            </a:r>
+              <a:t>Fragebogen erstellen</a:t>
+            </a:r>
+          </a:p>
+          <a:p>
+            <a:pPr marL="342900" indent="-342900">
+              <a:buFont typeface="Arial" panose="020B0604020202020204" pitchFamily="34" charset="0"/>
+              <a:buChar char="•"/>
+            </a:pPr>
+            <a:r>
+              <a:rPr lang="de-DE" dirty="0"/>
+              <a:t>Ggf. </a:t>
+            </a:r>
+            <a:r>
+              <a:rPr lang="de-DE"/>
+              <a:t>Szenario anpassen</a:t>
+            </a:r>
+            <a:endParaRPr lang="de-DE" dirty="0"/>
           </a:p>
           <a:p>
             <a:pPr marL="342900" lvl="0" indent="-342900">
@@ -17377,7 +18732,17 @@
             </a:pPr>
             <a:r>
               <a:rPr lang="de-DE" dirty="0"/>
-              <a:t>Ggf. Szenario anpassen</a:t>
+              <a:t>Sammeln von Daten durch Durchführung des Szenarios mit Nutzer</a:t>
+            </a:r>
+          </a:p>
+          <a:p>
+            <a:pPr marL="342900" lvl="0" indent="-342900">
+              <a:buFont typeface="Arial" panose="020B0604020202020204" pitchFamily="34" charset="0"/>
+              <a:buChar char="•"/>
+            </a:pPr>
+            <a:r>
+              <a:rPr lang="de-DE" dirty="0"/>
+              <a:t>Auswertung der gesammelten Daten</a:t>
             </a:r>
           </a:p>
           <a:p>
@@ -17478,7 +18843,7 @@
             <a:fld id="{E6B5151A-17C4-4431-8407-112C0160A8B6}" type="slidenum">
               <a:rPr lang="de-DE" smtClean="0"/>
               <a:pPr/>
-              <a:t>17</a:t>
+              <a:t>22</a:t>
             </a:fld>
             <a:endParaRPr lang="de-DE" dirty="0"/>
           </a:p>
@@ -17497,7 +18862,7 @@
 </p:sld>
 </file>
 
-<file path=ppt/slides/slide18.xml><?xml version="1.0" encoding="utf-8"?>
+<file path=ppt/slides/slide23.xml><?xml version="1.0" encoding="utf-8"?>
 <p:sld xmlns:a="http://schemas.openxmlformats.org/drawingml/2006/main" xmlns:r="http://schemas.openxmlformats.org/officeDocument/2006/relationships" xmlns:p="http://schemas.openxmlformats.org/presentationml/2006/main">
   <p:cSld>
     <p:spTree>
@@ -17639,7 +19004,7 @@
             <a:fld id="{E6B5151A-17C4-4431-8407-112C0160A8B6}" type="slidenum">
               <a:rPr lang="de-DE" smtClean="0"/>
               <a:pPr/>
-              <a:t>18</a:t>
+              <a:t>23</a:t>
             </a:fld>
             <a:endParaRPr lang="de-DE" dirty="0"/>
           </a:p>
@@ -17649,187 +19014,6 @@
     <p:extLst>
       <p:ext uri="{BB962C8B-B14F-4D97-AF65-F5344CB8AC3E}">
         <p14:creationId xmlns:p14="http://schemas.microsoft.com/office/powerpoint/2010/main" val="3615564677"/>
-      </p:ext>
-    </p:extLst>
-  </p:cSld>
-  <p:clrMapOvr>
-    <a:masterClrMapping/>
-  </p:clrMapOvr>
-</p:sld>
-</file>
-
-<file path=ppt/slides/slide2.xml><?xml version="1.0" encoding="utf-8"?>
-<p:sld xmlns:a="http://schemas.openxmlformats.org/drawingml/2006/main" xmlns:r="http://schemas.openxmlformats.org/officeDocument/2006/relationships" xmlns:p="http://schemas.openxmlformats.org/presentationml/2006/main">
-  <p:cSld>
-    <p:spTree>
-      <p:nvGrpSpPr>
-        <p:cNvPr id="1" name=""/>
-        <p:cNvGrpSpPr/>
-        <p:nvPr/>
-      </p:nvGrpSpPr>
-      <p:grpSpPr>
-        <a:xfrm>
-          <a:off x="0" y="0"/>
-          <a:ext cx="0" cy="0"/>
-          <a:chOff x="0" y="0"/>
-          <a:chExt cx="0" cy="0"/>
-        </a:xfrm>
-      </p:grpSpPr>
-      <p:sp>
-        <p:nvSpPr>
-          <p:cNvPr id="12" name="Titel 11"/>
-          <p:cNvSpPr>
-            <a:spLocks noGrp="1"/>
-          </p:cNvSpPr>
-          <p:nvPr>
-            <p:ph type="ctrTitle"/>
-          </p:nvPr>
-        </p:nvSpPr>
-        <p:spPr/>
-        <p:txBody>
-          <a:bodyPr/>
-          <a:lstStyle/>
-          <a:p>
-            <a:r>
-              <a:rPr lang="de-DE"/>
-              <a:t>ZWISCHENTITEL</a:t>
-            </a:r>
-            <a:br>
-              <a:rPr lang="de-DE"/>
-            </a:br>
-            <a:r>
-              <a:rPr lang="de-DE"/>
-              <a:t>TRENNERSEITE</a:t>
-            </a:r>
-            <a:endParaRPr lang="de-DE" dirty="0"/>
-          </a:p>
-        </p:txBody>
-      </p:sp>
-      <p:sp>
-        <p:nvSpPr>
-          <p:cNvPr id="7" name="Vertikaler Textplatzhalter 6"/>
-          <p:cNvSpPr>
-            <a:spLocks noGrp="1"/>
-          </p:cNvSpPr>
-          <p:nvPr>
-            <p:ph type="body" orient="vert" idx="13"/>
-          </p:nvPr>
-        </p:nvSpPr>
-        <p:spPr/>
-        <p:txBody>
-          <a:bodyPr/>
-          <a:lstStyle/>
-          <a:p>
-            <a:r>
-              <a:rPr lang="pt-BR"/>
-              <a:t>Unt quas sit mo dostectur:</a:t>
-            </a:r>
-          </a:p>
-          <a:p>
-            <a:r>
-              <a:rPr lang="de-DE"/>
-              <a:t>consequodioomni doloris</a:t>
-            </a:r>
-            <a:endParaRPr lang="de-DE" dirty="0"/>
-          </a:p>
-        </p:txBody>
-      </p:sp>
-      <p:sp>
-        <p:nvSpPr>
-          <p:cNvPr id="11" name="Datumsplatzhalter 10">
-            <a:extLst>
-              <a:ext uri="{FF2B5EF4-FFF2-40B4-BE49-F238E27FC236}">
-                <a16:creationId xmlns:a16="http://schemas.microsoft.com/office/drawing/2014/main" id="{1157627F-B7DC-4EFF-BD81-1A592AB81FDE}"/>
-              </a:ext>
-            </a:extLst>
-          </p:cNvPr>
-          <p:cNvSpPr>
-            <a:spLocks noGrp="1"/>
-          </p:cNvSpPr>
-          <p:nvPr>
-            <p:ph type="dt" sz="half" idx="10"/>
-          </p:nvPr>
-        </p:nvSpPr>
-        <p:spPr/>
-        <p:txBody>
-          <a:bodyPr/>
-          <a:lstStyle/>
-          <a:p>
-            <a:r>
-              <a:rPr lang="de-DE"/>
-              <a:t>Campus Sontheim</a:t>
-            </a:r>
-            <a:endParaRPr lang="de-DE" dirty="0"/>
-          </a:p>
-        </p:txBody>
-      </p:sp>
-      <p:sp>
-        <p:nvSpPr>
-          <p:cNvPr id="13" name="Fußzeilenplatzhalter 12">
-            <a:extLst>
-              <a:ext uri="{FF2B5EF4-FFF2-40B4-BE49-F238E27FC236}">
-                <a16:creationId xmlns:a16="http://schemas.microsoft.com/office/drawing/2014/main" id="{A5FA3907-DD6F-499A-A65E-989C1842BAD7}"/>
-              </a:ext>
-            </a:extLst>
-          </p:cNvPr>
-          <p:cNvSpPr>
-            <a:spLocks noGrp="1"/>
-          </p:cNvSpPr>
-          <p:nvPr>
-            <p:ph type="ftr" sz="quarter" idx="11"/>
-          </p:nvPr>
-        </p:nvSpPr>
-        <p:spPr/>
-        <p:txBody>
-          <a:bodyPr/>
-          <a:lstStyle/>
-          <a:p>
-            <a:r>
-              <a:rPr lang="de-DE"/>
-              <a:t>Bachelorthesis Kolloquium | Robert Zlomke | IT / AIB |  WiSe 2020/21</a:t>
-            </a:r>
-            <a:endParaRPr lang="de-DE" dirty="0"/>
-          </a:p>
-        </p:txBody>
-      </p:sp>
-      <p:sp>
-        <p:nvSpPr>
-          <p:cNvPr id="14" name="Foliennummernplatzhalter 13">
-            <a:extLst>
-              <a:ext uri="{FF2B5EF4-FFF2-40B4-BE49-F238E27FC236}">
-                <a16:creationId xmlns:a16="http://schemas.microsoft.com/office/drawing/2014/main" id="{BE13F4B6-5C66-434E-98D4-89A7550EC872}"/>
-              </a:ext>
-            </a:extLst>
-          </p:cNvPr>
-          <p:cNvSpPr>
-            <a:spLocks noGrp="1"/>
-          </p:cNvSpPr>
-          <p:nvPr>
-            <p:ph type="sldNum" sz="quarter" idx="12"/>
-          </p:nvPr>
-        </p:nvSpPr>
-        <p:spPr/>
-        <p:txBody>
-          <a:bodyPr/>
-          <a:lstStyle/>
-          <a:p>
-            <a:r>
-              <a:rPr lang="de-DE"/>
-              <a:t>|  </a:t>
-            </a:r>
-            <a:fld id="{E6B5151A-17C4-4431-8407-112C0160A8B6}" type="slidenum">
-              <a:rPr lang="de-DE" smtClean="0"/>
-              <a:pPr/>
-              <a:t>2</a:t>
-            </a:fld>
-            <a:endParaRPr lang="de-DE" dirty="0"/>
-          </a:p>
-        </p:txBody>
-      </p:sp>
-    </p:spTree>
-    <p:extLst>
-      <p:ext uri="{BB962C8B-B14F-4D97-AF65-F5344CB8AC3E}">
-        <p14:creationId xmlns:p14="http://schemas.microsoft.com/office/powerpoint/2010/main" val="1503323803"/>
       </p:ext>
     </p:extLst>
   </p:cSld>
@@ -17872,9 +19056,6 @@
           <a:lstStyle/>
           <a:p>
             <a:pPr lvl="0"/>
-            <a:br>
-              <a:rPr lang="de-DE" dirty="0"/>
-            </a:br>
             <a:r>
               <a:rPr lang="de-DE" dirty="0" err="1"/>
               <a:t>AGenda</a:t>
@@ -18117,9 +19298,6 @@
           <a:lstStyle/>
           <a:p>
             <a:pPr lvl="0"/>
-            <a:br>
-              <a:rPr lang="de-DE" dirty="0"/>
-            </a:br>
             <a:r>
               <a:rPr lang="de-DE" dirty="0"/>
               <a:t>Thema</a:t>
@@ -18371,9 +19549,6 @@
           <a:lstStyle/>
           <a:p>
             <a:pPr lvl="0"/>
-            <a:br>
-              <a:rPr lang="de-DE" dirty="0"/>
-            </a:br>
             <a:r>
               <a:rPr lang="de-DE" dirty="0"/>
               <a:t>Problemstellung</a:t>
@@ -18397,11 +19572,60 @@
           <a:lstStyle/>
           <a:p>
             <a:pPr lvl="0"/>
-            <a:endParaRPr lang="de-DE" dirty="0">
-              <a:solidFill>
-                <a:srgbClr val="DC3769"/>
-              </a:solidFill>
-            </a:endParaRPr>
+            <a:r>
+              <a:rPr lang="de-DE" dirty="0">
+                <a:solidFill>
+                  <a:srgbClr val="000000"/>
+                </a:solidFill>
+                <a:latin typeface="Raleway"/>
+              </a:rPr>
+              <a:t>Virtuelle Umgebungen zu Fuß zu erkunden ist die realistischste und natürlichste Schnittstelle. Zeitlich ist dies auch technisch am anspruchsvollsten auf Grund der Hardware und Umweltbedingungen.</a:t>
+            </a:r>
+          </a:p>
+          <a:p>
+            <a:pPr lvl="0"/>
+            <a:r>
+              <a:rPr lang="de-DE" b="0" i="0" dirty="0">
+                <a:solidFill>
+                  <a:srgbClr val="000000"/>
+                </a:solidFill>
+                <a:effectLst/>
+                <a:latin typeface="Raleway"/>
+              </a:rPr>
+              <a:t>Allgemein wurden in bisherigen </a:t>
+            </a:r>
+            <a:r>
+              <a:rPr lang="de-DE" dirty="0">
+                <a:solidFill>
+                  <a:srgbClr val="000000"/>
+                </a:solidFill>
+                <a:latin typeface="Raleway"/>
+              </a:rPr>
+              <a:t>Arbeiten sich auf die </a:t>
+            </a:r>
+            <a:r>
+              <a:rPr lang="de-DE" b="0" i="0" dirty="0">
+                <a:solidFill>
+                  <a:srgbClr val="000000"/>
+                </a:solidFill>
+                <a:effectLst/>
+                <a:latin typeface="Raleway"/>
+              </a:rPr>
+              <a:t>Fortbewegung in übereinstimmenden Umgebungen oder leeren Umgebungen konzentriert, aber weniger darauf geachtet, wie sich eine Änderung der Nichtübereinstimmung zwischen der physischen Umgebung und ihrer virtuellen Darstellung auf die Benutzer auswirkt.</a:t>
+            </a:r>
+          </a:p>
+          <a:p>
+            <a:pPr lvl="0"/>
+            <a:r>
+              <a:rPr lang="de-DE" b="0" i="0" dirty="0">
+                <a:solidFill>
+                  <a:srgbClr val="000000"/>
+                </a:solidFill>
+                <a:effectLst/>
+                <a:latin typeface="Raleway"/>
+              </a:rPr>
+              <a:t>Wenn ja, gibt es bestimmte Änderungen, die mehr sind wirkungsvoller als andere? Lassen sich Bewegungsmuster konditionieren?</a:t>
+            </a:r>
           </a:p>
         </p:txBody>
       </p:sp>
@@ -18543,9 +19767,6 @@
           <a:lstStyle/>
           <a:p>
             <a:pPr lvl="0"/>
-            <a:br>
-              <a:rPr lang="de-DE" dirty="0"/>
-            </a:br>
             <a:r>
               <a:rPr lang="de-DE" dirty="0"/>
               <a:t>Zielsetzung</a:t>
@@ -18572,10 +19793,7 @@
               <a:buFont typeface="Arial" panose="020B0604020202020204" pitchFamily="34" charset="0"/>
               <a:buChar char="•"/>
             </a:pPr>
-            <a:r>
-              <a:rPr lang="de-DE" dirty="0"/>
-              <a:t>Konzipieren eines Szenarios um das Bewegungsverhalten der Nutzer zu Konditionieren</a:t>
-            </a:r>
+            <a:endParaRPr lang="de-DE" dirty="0"/>
           </a:p>
           <a:p>
             <a:pPr marL="342900" lvl="0" indent="-342900">
@@ -18584,7 +19802,17 @@
             </a:pPr>
             <a:r>
               <a:rPr lang="de-DE" dirty="0"/>
-              <a:t>Evaluation</a:t>
+              <a:t>Konzipieren eines Szenarios um das Bewegungsverhalten der Nutzer zu Beobachten und zu Konditionieren</a:t>
+            </a:r>
+          </a:p>
+          <a:p>
+            <a:pPr marL="342900" lvl="0" indent="-342900">
+              <a:buFont typeface="Arial" panose="020B0604020202020204" pitchFamily="34" charset="0"/>
+              <a:buChar char="•"/>
+            </a:pPr>
+            <a:r>
+              <a:rPr lang="de-DE" dirty="0"/>
+              <a:t>Durchführung </a:t>
             </a:r>
           </a:p>
           <a:p>
@@ -18735,9 +19963,6 @@
           <a:lstStyle/>
           <a:p>
             <a:pPr lvl="0"/>
-            <a:br>
-              <a:rPr lang="de-DE" dirty="0"/>
-            </a:br>
             <a:r>
               <a:rPr lang="de-DE" dirty="0"/>
               <a:t>Betreuer</a:t>
@@ -18965,9 +20190,6 @@
           <a:lstStyle/>
           <a:p>
             <a:pPr lvl="0"/>
-            <a:br>
-              <a:rPr lang="de-DE" dirty="0"/>
-            </a:br>
             <a:r>
               <a:rPr lang="de-DE" dirty="0"/>
               <a:t>Vorgehensweise</a:t>
@@ -18994,10 +20216,7 @@
               <a:buFont typeface="Arial" panose="020B0604020202020204" pitchFamily="34" charset="0"/>
               <a:buChar char="•"/>
             </a:pPr>
-            <a:r>
-              <a:rPr lang="de-DE" dirty="0"/>
-              <a:t>Entwicklung eines geeigneten Szenarios</a:t>
-            </a:r>
+            <a:endParaRPr lang="de-DE" dirty="0"/>
           </a:p>
           <a:p>
             <a:pPr marL="342900" lvl="0" indent="-342900">
@@ -19006,7 +20225,17 @@
             </a:pPr>
             <a:r>
               <a:rPr lang="de-DE" dirty="0"/>
-              <a:t>Malus zur Konditionierung der Nutzer festlegen und ?</a:t>
+              <a:t>Entwicklung des Szenarios</a:t>
+            </a:r>
+          </a:p>
+          <a:p>
+            <a:pPr marL="342900" lvl="0" indent="-342900">
+              <a:buFont typeface="Arial" panose="020B0604020202020204" pitchFamily="34" charset="0"/>
+              <a:buChar char="•"/>
+            </a:pPr>
+            <a:r>
+              <a:rPr lang="de-DE" dirty="0"/>
+              <a:t>Malus zur Konditionierung der Nutzer entwickeln</a:t>
             </a:r>
           </a:p>
           <a:p>
@@ -19197,12 +20426,16 @@
           <a:lstStyle/>
           <a:p>
             <a:pPr lvl="0"/>
+            <a:r>
+              <a:rPr lang="de-DE" sz="2200" dirty="0"/>
+              <a:t>Vorgehensweise</a:t>
+            </a:r>
             <a:br>
               <a:rPr lang="de-DE" dirty="0"/>
             </a:br>
             <a:r>
               <a:rPr lang="de-DE" dirty="0"/>
-              <a:t>Zeitplan</a:t>
+              <a:t>- Entwicklung des Szenarios</a:t>
             </a:r>
           </a:p>
         </p:txBody>
@@ -19222,16 +20455,75 @@
           <a:bodyPr/>
           <a:lstStyle/>
           <a:p>
-            <a:pPr lvl="0"/>
+            <a:pPr marL="342900" lvl="0" indent="-342900">
+              <a:buFont typeface="Arial" panose="020B0604020202020204" pitchFamily="34" charset="0"/>
+              <a:buChar char="•"/>
+            </a:pPr>
+            <a:endParaRPr lang="de-DE" dirty="0"/>
+          </a:p>
+          <a:p>
+            <a:pPr marL="342900" lvl="0" indent="-342900">
+              <a:buFont typeface="Arial" panose="020B0604020202020204" pitchFamily="34" charset="0"/>
+              <a:buChar char="•"/>
+            </a:pPr>
             <a:r>
               <a:rPr lang="de-DE" dirty="0"/>
-              <a:t>•</a:t>
-            </a:r>
-            <a:endParaRPr lang="de-DE" dirty="0">
-              <a:solidFill>
-                <a:srgbClr val="DC3769"/>
-              </a:solidFill>
-            </a:endParaRPr>
+              <a:t>3 Verschiedene Szenen</a:t>
+            </a:r>
+          </a:p>
+          <a:p>
+            <a:pPr marL="630903" lvl="1" indent="-342900">
+              <a:buFont typeface="Arial" panose="020B0604020202020204" pitchFamily="34" charset="0"/>
+              <a:buChar char="•"/>
+            </a:pPr>
+            <a:r>
+              <a:rPr lang="de-DE" dirty="0"/>
+              <a:t>Weg ohne Malus</a:t>
+            </a:r>
+          </a:p>
+          <a:p>
+            <a:pPr marL="630903" lvl="1" indent="-342900">
+              <a:buFont typeface="Arial" panose="020B0604020202020204" pitchFamily="34" charset="0"/>
+              <a:buChar char="•"/>
+            </a:pPr>
+            <a:r>
+              <a:rPr lang="de-DE" dirty="0"/>
+              <a:t>Physikalischer weg mit Malus</a:t>
+            </a:r>
+          </a:p>
+          <a:p>
+            <a:pPr marL="630903" lvl="1" indent="-342900">
+              <a:buFont typeface="Arial" panose="020B0604020202020204" pitchFamily="34" charset="0"/>
+              <a:buChar char="•"/>
+            </a:pPr>
+            <a:r>
+              <a:rPr lang="de-DE" dirty="0"/>
+              <a:t>Visueller Weg mit Malus</a:t>
+            </a:r>
+          </a:p>
+          <a:p>
+            <a:pPr marL="630903" lvl="1" indent="-342900">
+              <a:buFont typeface="Arial" panose="020B0604020202020204" pitchFamily="34" charset="0"/>
+              <a:buChar char="•"/>
+            </a:pPr>
+            <a:endParaRPr lang="de-DE" dirty="0"/>
+          </a:p>
+          <a:p>
+            <a:pPr marL="342900" indent="-342900">
+              <a:buFont typeface="Arial" panose="020B0604020202020204" pitchFamily="34" charset="0"/>
+              <a:buChar char="•"/>
+            </a:pPr>
+            <a:r>
+              <a:rPr lang="de-DE" dirty="0"/>
+              <a:t>Verschiedene Objekte, die das Laufen auf dem Weg erschweren</a:t>
+            </a:r>
+          </a:p>
+          <a:p>
+            <a:pPr marL="342900" lvl="0" indent="-342900">
+              <a:buFont typeface="Arial" panose="020B0604020202020204" pitchFamily="34" charset="0"/>
+              <a:buChar char="•"/>
+            </a:pPr>
+            <a:endParaRPr lang="de-DE" dirty="0"/>
           </a:p>
         </p:txBody>
       </p:sp>
@@ -19327,40 +20619,10 @@
           </a:p>
         </p:txBody>
       </p:sp>
-      <p:pic>
-        <p:nvPicPr>
-          <p:cNvPr id="3" name="Grafik 2">
-            <a:extLst>
-              <a:ext uri="{FF2B5EF4-FFF2-40B4-BE49-F238E27FC236}">
-                <a16:creationId xmlns:a16="http://schemas.microsoft.com/office/drawing/2014/main" id="{4D29D65D-D2DE-4167-ADA1-66AD8D5CAEEF}"/>
-              </a:ext>
-            </a:extLst>
-          </p:cNvPr>
-          <p:cNvPicPr>
-            <a:picLocks noChangeAspect="1"/>
-          </p:cNvPicPr>
-          <p:nvPr/>
-        </p:nvPicPr>
-        <p:blipFill>
-          <a:blip r:embed="rId2"/>
-          <a:stretch>
-            <a:fillRect/>
-          </a:stretch>
-        </p:blipFill>
-        <p:spPr>
-          <a:xfrm>
-            <a:off x="406401" y="2033591"/>
-            <a:ext cx="11251660" cy="3715276"/>
-          </a:xfrm>
-          <a:prstGeom prst="rect">
-            <a:avLst/>
-          </a:prstGeom>
-        </p:spPr>
-      </p:pic>
     </p:spTree>
     <p:extLst>
       <p:ext uri="{BB962C8B-B14F-4D97-AF65-F5344CB8AC3E}">
-        <p14:creationId xmlns:p14="http://schemas.microsoft.com/office/powerpoint/2010/main" val="119546531"/>
+        <p14:creationId xmlns:p14="http://schemas.microsoft.com/office/powerpoint/2010/main" val="2464191086"/>
       </p:ext>
     </p:extLst>
   </p:cSld>

--- a/Kolloquium_Präsentation_RobertZlomle.pptx
+++ b/Kolloquium_Präsentation_RobertZlomle.pptx
@@ -5,7 +5,7 @@
     <p:sldMasterId id="2147483648" r:id="rId1"/>
   </p:sldMasterIdLst>
   <p:notesMasterIdLst>
-    <p:notesMasterId r:id="rId25"/>
+    <p:notesMasterId r:id="rId26"/>
   </p:notesMasterIdLst>
   <p:sldIdLst>
     <p:sldId id="270" r:id="rId2"/>
@@ -26,11 +26,12 @@
     <p:sldId id="284" r:id="rId17"/>
     <p:sldId id="291" r:id="rId18"/>
     <p:sldId id="292" r:id="rId19"/>
-    <p:sldId id="289" r:id="rId20"/>
-    <p:sldId id="293" r:id="rId21"/>
-    <p:sldId id="285" r:id="rId22"/>
-    <p:sldId id="286" r:id="rId23"/>
-    <p:sldId id="269" r:id="rId24"/>
+    <p:sldId id="299" r:id="rId20"/>
+    <p:sldId id="289" r:id="rId21"/>
+    <p:sldId id="293" r:id="rId22"/>
+    <p:sldId id="285" r:id="rId23"/>
+    <p:sldId id="286" r:id="rId24"/>
+    <p:sldId id="269" r:id="rId25"/>
   </p:sldIdLst>
   <p:sldSz cx="12192000" cy="6858000"/>
   <p:notesSz cx="6858000" cy="9144000"/>
@@ -250,7 +251,7 @@
           <a:p>
             <a:fld id="{CF93AEB5-C303-4762-90A0-AF697EB357C4}" type="datetimeFigureOut">
               <a:rPr lang="de-DE" smtClean="0"/>
-              <a:t>16.01.2021</a:t>
+              <a:t>17.01.2021</a:t>
             </a:fld>
             <a:endParaRPr lang="de-DE"/>
           </a:p>
@@ -15615,7 +15616,7 @@
             </a:pPr>
             <a:r>
               <a:rPr lang="de-DE" dirty="0"/>
-              <a:t>Dieser besteht aus einem rot blinkendem Sichtfeld und einem akustischen Piepen</a:t>
+              <a:t>Dieser besteht aus einem rot blinkenden Sichtfeld und einem akustischen Piepen</a:t>
             </a:r>
           </a:p>
           <a:p>
@@ -15625,7 +15626,7 @@
             </a:pPr>
             <a:r>
               <a:rPr lang="de-DE" dirty="0"/>
-              <a:t>Die Frequenz erhöht sich alle 5 Sekunden und wird beendet wenn der Nutzer sich wieder auf dem richtigen Weg befindet </a:t>
+              <a:t>Die Frequenz erhöht sich alle 5 Sekunden und wird beendet sobald sich der Nutzer wieder auf dem richtigen Weg befindet </a:t>
             </a:r>
           </a:p>
           <a:p>
@@ -16074,7 +16075,15 @@
             </a:pPr>
             <a:r>
               <a:rPr lang="de-DE" dirty="0"/>
-              <a:t>Wie lange brauchen Probanden, um die Aufgabe komplett zu meistern?</a:t>
+              <a:t>Wieviel Zeit wird </a:t>
+            </a:r>
+            <a:r>
+              <a:rPr lang="de-DE" dirty="0" err="1"/>
+              <a:t>benötigt,um</a:t>
+            </a:r>
+            <a:r>
+              <a:rPr lang="de-DE" dirty="0"/>
+              <a:t> die Aufgabe komplett zu meistern?</a:t>
             </a:r>
           </a:p>
           <a:p>
@@ -17050,7 +17059,7 @@
             </a:pPr>
             <a:r>
               <a:rPr lang="de-DE" dirty="0"/>
-              <a:t>Sensoren im inneren des Headsets tracken die Bewegung des Nutzers.</a:t>
+              <a:t>Sensoren im Inneren des Headsets tracken die Bewegung des Nutzers.</a:t>
             </a:r>
           </a:p>
           <a:p>
@@ -17650,7 +17659,15 @@
             </a:pPr>
             <a:r>
               <a:rPr lang="de-DE" dirty="0"/>
-              <a:t>Den zu laufenden Weg der 3 Szenarios vorbereitet</a:t>
+              <a:t>Den zu laufenden Weg der </a:t>
+            </a:r>
+            <a:r>
+              <a:rPr lang="de-DE"/>
+              <a:t>3 Szenarien </a:t>
+            </a:r>
+            <a:r>
+              <a:rPr lang="de-DE" dirty="0"/>
+              <a:t>vorbereitet</a:t>
             </a:r>
           </a:p>
           <a:p>
@@ -17728,82 +17745,6 @@
       </p:grpSpPr>
       <p:sp>
         <p:nvSpPr>
-          <p:cNvPr id="5" name="Titel 4"/>
-          <p:cNvSpPr>
-            <a:spLocks noGrp="1"/>
-          </p:cNvSpPr>
-          <p:nvPr>
-            <p:ph type="title"/>
-          </p:nvPr>
-        </p:nvSpPr>
-        <p:spPr/>
-        <p:txBody>
-          <a:bodyPr/>
-          <a:lstStyle/>
-          <a:p>
-            <a:pPr lvl="0"/>
-            <a:r>
-              <a:rPr lang="de-DE" dirty="0"/>
-              <a:t>Bisherige Ergebnisse</a:t>
-            </a:r>
-          </a:p>
-        </p:txBody>
-      </p:sp>
-      <p:sp>
-        <p:nvSpPr>
-          <p:cNvPr id="6" name="Inhaltsplatzhalter 5"/>
-          <p:cNvSpPr>
-            <a:spLocks noGrp="1"/>
-          </p:cNvSpPr>
-          <p:nvPr>
-            <p:ph idx="13"/>
-          </p:nvPr>
-        </p:nvSpPr>
-        <p:spPr/>
-        <p:txBody>
-          <a:bodyPr/>
-          <a:lstStyle/>
-          <a:p>
-            <a:pPr marL="342900" lvl="0" indent="-342900">
-              <a:buFont typeface="Arial" panose="020B0604020202020204" pitchFamily="34" charset="0"/>
-              <a:buChar char="•"/>
-            </a:pPr>
-            <a:endParaRPr lang="de-DE" dirty="0"/>
-          </a:p>
-          <a:p>
-            <a:pPr marL="342900" lvl="0" indent="-342900">
-              <a:buFont typeface="Arial" panose="020B0604020202020204" pitchFamily="34" charset="0"/>
-              <a:buChar char="•"/>
-            </a:pPr>
-            <a:r>
-              <a:rPr lang="de-DE" dirty="0"/>
-              <a:t>Oculus Quest Integration als Schnittstelle zum Headset eingebunden und konfiguriert</a:t>
-            </a:r>
-          </a:p>
-          <a:p>
-            <a:pPr marL="342900" lvl="0" indent="-342900">
-              <a:buFont typeface="Arial" panose="020B0604020202020204" pitchFamily="34" charset="0"/>
-              <a:buChar char="•"/>
-            </a:pPr>
-            <a:r>
-              <a:rPr lang="de-DE" dirty="0"/>
-              <a:t>Malus in das Projekt integriert und angepasst</a:t>
-            </a:r>
-          </a:p>
-          <a:p>
-            <a:pPr marL="342900" lvl="0" indent="-342900">
-              <a:buFont typeface="Arial" panose="020B0604020202020204" pitchFamily="34" charset="0"/>
-              <a:buChar char="•"/>
-            </a:pPr>
-            <a:r>
-              <a:rPr lang="de-DE" dirty="0"/>
-              <a:t>Implementieren der Datenerfassung für die spätere Auswertung begonnen</a:t>
-            </a:r>
-          </a:p>
-        </p:txBody>
-      </p:sp>
-      <p:sp>
-        <p:nvSpPr>
           <p:cNvPr id="12" name="Datumsplatzhalter 11">
             <a:extLst>
               <a:ext uri="{FF2B5EF4-FFF2-40B4-BE49-F238E27FC236}">
@@ -17818,16 +17759,27 @@
             <p:ph type="dt" sz="half" idx="10"/>
           </p:nvPr>
         </p:nvSpPr>
-        <p:spPr/>
+        <p:spPr>
+          <a:xfrm>
+            <a:off x="406401" y="274365"/>
+            <a:ext cx="7375299" cy="216000"/>
+          </a:xfrm>
+        </p:spPr>
         <p:txBody>
-          <a:bodyPr/>
+          <a:bodyPr anchor="t">
+            <a:normAutofit/>
+          </a:bodyPr>
           <a:lstStyle/>
           <a:p>
+            <a:pPr>
+              <a:spcAft>
+                <a:spcPts val="600"/>
+              </a:spcAft>
+            </a:pPr>
             <a:r>
               <a:rPr lang="de-DE"/>
               <a:t>Campus Sontheim</a:t>
             </a:r>
-            <a:endParaRPr lang="de-DE" dirty="0"/>
           </a:p>
         </p:txBody>
       </p:sp>
@@ -17847,16 +17799,27 @@
             <p:ph type="ftr" sz="quarter" idx="11"/>
           </p:nvPr>
         </p:nvSpPr>
-        <p:spPr/>
+        <p:spPr>
+          <a:xfrm>
+            <a:off x="406401" y="6515213"/>
+            <a:ext cx="7375299" cy="216000"/>
+          </a:xfrm>
+        </p:spPr>
         <p:txBody>
-          <a:bodyPr/>
+          <a:bodyPr anchor="t">
+            <a:normAutofit/>
+          </a:bodyPr>
           <a:lstStyle/>
           <a:p>
+            <a:pPr>
+              <a:spcAft>
+                <a:spcPts val="600"/>
+              </a:spcAft>
+            </a:pPr>
             <a:r>
               <a:rPr lang="de-DE"/>
               <a:t>Bachelorthesis Kolloquium | Robert Zlomke | IT / AIB |  WiSe 2020/21</a:t>
             </a:r>
-            <a:endParaRPr lang="de-DE" dirty="0"/>
           </a:p>
         </p:txBody>
       </p:sp>
@@ -17876,28 +17839,235 @@
             <p:ph type="sldNum" sz="quarter" idx="12"/>
           </p:nvPr>
         </p:nvSpPr>
-        <p:spPr/>
+        <p:spPr>
+          <a:xfrm>
+            <a:off x="9883778" y="6515213"/>
+            <a:ext cx="1899711" cy="216000"/>
+          </a:xfrm>
+        </p:spPr>
         <p:txBody>
-          <a:bodyPr/>
+          <a:bodyPr anchor="t">
+            <a:normAutofit/>
+          </a:bodyPr>
           <a:lstStyle/>
           <a:p>
+            <a:pPr>
+              <a:spcAft>
+                <a:spcPts val="600"/>
+              </a:spcAft>
+            </a:pPr>
             <a:r>
               <a:rPr lang="de-DE"/>
               <a:t>|  </a:t>
             </a:r>
             <a:fld id="{E6B5151A-17C4-4431-8407-112C0160A8B6}" type="slidenum">
               <a:rPr lang="de-DE" smtClean="0"/>
-              <a:pPr/>
+              <a:pPr>
+                <a:spcAft>
+                  <a:spcPts val="600"/>
+                </a:spcAft>
+              </a:pPr>
               <a:t>19</a:t>
             </a:fld>
-            <a:endParaRPr lang="de-DE" dirty="0"/>
+            <a:endParaRPr lang="de-DE"/>
           </a:p>
         </p:txBody>
       </p:sp>
+      <p:sp>
+        <p:nvSpPr>
+          <p:cNvPr id="5" name="Titel 4"/>
+          <p:cNvSpPr>
+            <a:spLocks noGrp="1"/>
+          </p:cNvSpPr>
+          <p:nvPr>
+            <p:ph type="title"/>
+          </p:nvPr>
+        </p:nvSpPr>
+        <p:spPr>
+          <a:xfrm>
+            <a:off x="406405" y="898525"/>
+            <a:ext cx="11377084" cy="863600"/>
+          </a:xfrm>
+        </p:spPr>
+        <p:txBody>
+          <a:bodyPr anchor="t">
+            <a:normAutofit/>
+          </a:bodyPr>
+          <a:lstStyle/>
+          <a:p>
+            <a:pPr lvl="0"/>
+            <a:r>
+              <a:rPr lang="de-DE" dirty="0"/>
+              <a:t>Bisherige Ergebnisse</a:t>
+            </a:r>
+          </a:p>
+        </p:txBody>
+      </p:sp>
+      <p:sp>
+        <p:nvSpPr>
+          <p:cNvPr id="6" name="Inhaltsplatzhalter 5"/>
+          <p:cNvSpPr>
+            <a:spLocks noGrp="1"/>
+          </p:cNvSpPr>
+          <p:nvPr>
+            <p:ph type="body" orient="vert" idx="13"/>
+          </p:nvPr>
+        </p:nvSpPr>
+        <p:spPr>
+          <a:xfrm>
+            <a:off x="406401" y="2033702"/>
+            <a:ext cx="5961974" cy="4209936"/>
+          </a:xfrm>
+        </p:spPr>
+        <p:txBody>
+          <a:bodyPr anchor="t">
+            <a:normAutofit/>
+          </a:bodyPr>
+          <a:lstStyle/>
+          <a:p>
+            <a:pPr lvl="0"/>
+            <a:r>
+              <a:rPr lang="de-DE" dirty="0"/>
+              <a:t>Hindernisse</a:t>
+            </a:r>
+          </a:p>
+          <a:p>
+            <a:pPr lvl="0"/>
+            <a:endParaRPr lang="de-DE" dirty="0"/>
+          </a:p>
+          <a:p>
+            <a:pPr marL="342900" lvl="0" indent="-342900">
+              <a:buFont typeface="Arial" panose="020B0604020202020204" pitchFamily="34" charset="0"/>
+              <a:buChar char="•"/>
+            </a:pPr>
+            <a:endParaRPr lang="de-DE" dirty="0"/>
+          </a:p>
+        </p:txBody>
+      </p:sp>
+      <p:pic>
+        <p:nvPicPr>
+          <p:cNvPr id="7" name="Bildplatzhalter 6" descr="Ein Bild, das Text, drinnen, weiß, Computer enthält.&#10;&#10;Automatisch generierte Beschreibung">
+            <a:extLst>
+              <a:ext uri="{FF2B5EF4-FFF2-40B4-BE49-F238E27FC236}">
+                <a16:creationId xmlns:a16="http://schemas.microsoft.com/office/drawing/2014/main" id="{CCB3F40B-CE45-492E-960F-715466495525}"/>
+              </a:ext>
+            </a:extLst>
+          </p:cNvPr>
+          <p:cNvPicPr>
+            <a:picLocks noGrp="1" noChangeAspect="1"/>
+          </p:cNvPicPr>
+          <p:nvPr>
+            <p:ph type="pic" idx="15"/>
+          </p:nvPr>
+        </p:nvPicPr>
+        <p:blipFill>
+          <a:blip r:embed="rId2"/>
+          <a:srcRect l="22860" r="22860"/>
+          <a:stretch>
+            <a:fillRect/>
+          </a:stretch>
+        </p:blipFill>
+        <p:spPr>
+          <a:xfrm>
+            <a:off x="1284745" y="4343900"/>
+            <a:ext cx="1984186" cy="2034063"/>
+          </a:xfrm>
+        </p:spPr>
+      </p:pic>
+      <p:pic>
+        <p:nvPicPr>
+          <p:cNvPr id="9" name="Grafik 8" descr="Ein Bild, das Text, Computer, drinnen, Tastatur enthält.&#10;&#10;Automatisch generierte Beschreibung">
+            <a:extLst>
+              <a:ext uri="{FF2B5EF4-FFF2-40B4-BE49-F238E27FC236}">
+                <a16:creationId xmlns:a16="http://schemas.microsoft.com/office/drawing/2014/main" id="{BFD1645D-1586-402E-9D17-DC1F53398450}"/>
+              </a:ext>
+            </a:extLst>
+          </p:cNvPr>
+          <p:cNvPicPr>
+            <a:picLocks noChangeAspect="1"/>
+          </p:cNvPicPr>
+          <p:nvPr/>
+        </p:nvPicPr>
+        <p:blipFill>
+          <a:blip r:embed="rId3"/>
+          <a:stretch>
+            <a:fillRect/>
+          </a:stretch>
+        </p:blipFill>
+        <p:spPr>
+          <a:xfrm>
+            <a:off x="632403" y="2627285"/>
+            <a:ext cx="3628621" cy="1603429"/>
+          </a:xfrm>
+          <a:prstGeom prst="rect">
+            <a:avLst/>
+          </a:prstGeom>
+        </p:spPr>
+      </p:pic>
+      <p:pic>
+        <p:nvPicPr>
+          <p:cNvPr id="15" name="Grafik 14" descr="Ein Bild, das Text, drinnen, Computer, computer enthält.&#10;&#10;Automatisch generierte Beschreibung">
+            <a:extLst>
+              <a:ext uri="{FF2B5EF4-FFF2-40B4-BE49-F238E27FC236}">
+                <a16:creationId xmlns:a16="http://schemas.microsoft.com/office/drawing/2014/main" id="{5B6A3486-D860-44E7-B099-DDE1AC069410}"/>
+              </a:ext>
+            </a:extLst>
+          </p:cNvPr>
+          <p:cNvPicPr>
+            <a:picLocks noChangeAspect="1"/>
+          </p:cNvPicPr>
+          <p:nvPr/>
+        </p:nvPicPr>
+        <p:blipFill>
+          <a:blip r:embed="rId4"/>
+          <a:stretch>
+            <a:fillRect/>
+          </a:stretch>
+        </p:blipFill>
+        <p:spPr>
+          <a:xfrm flipH="1">
+            <a:off x="7844787" y="3164401"/>
+            <a:ext cx="3310440" cy="2194129"/>
+          </a:xfrm>
+          <a:prstGeom prst="rect">
+            <a:avLst/>
+          </a:prstGeom>
+        </p:spPr>
+      </p:pic>
+      <p:pic>
+        <p:nvPicPr>
+          <p:cNvPr id="17" name="Grafik 16" descr="Ein Bild, das drinnen, gefliest, Kachel enthält.&#10;&#10;Automatisch generierte Beschreibung">
+            <a:extLst>
+              <a:ext uri="{FF2B5EF4-FFF2-40B4-BE49-F238E27FC236}">
+                <a16:creationId xmlns:a16="http://schemas.microsoft.com/office/drawing/2014/main" id="{5ACCB9A6-8EC0-4256-B522-CA3D00F13709}"/>
+              </a:ext>
+            </a:extLst>
+          </p:cNvPr>
+          <p:cNvPicPr>
+            <a:picLocks noChangeAspect="1"/>
+          </p:cNvPicPr>
+          <p:nvPr/>
+        </p:nvPicPr>
+        <p:blipFill>
+          <a:blip r:embed="rId5"/>
+          <a:stretch>
+            <a:fillRect/>
+          </a:stretch>
+        </p:blipFill>
+        <p:spPr>
+          <a:xfrm>
+            <a:off x="4679722" y="2307752"/>
+            <a:ext cx="2327669" cy="4003780"/>
+          </a:xfrm>
+          <a:prstGeom prst="rect">
+            <a:avLst/>
+          </a:prstGeom>
+        </p:spPr>
+      </p:pic>
     </p:spTree>
     <p:extLst>
       <p:ext uri="{BB962C8B-B14F-4D97-AF65-F5344CB8AC3E}">
-        <p14:creationId xmlns:p14="http://schemas.microsoft.com/office/powerpoint/2010/main" val="1581092866"/>
+        <p14:creationId xmlns:p14="http://schemas.microsoft.com/office/powerpoint/2010/main" val="2390917164"/>
       </p:ext>
     </p:extLst>
   </p:cSld>
@@ -18107,6 +18277,287 @@
       </p:grpSpPr>
       <p:sp>
         <p:nvSpPr>
+          <p:cNvPr id="12" name="Datumsplatzhalter 11">
+            <a:extLst>
+              <a:ext uri="{FF2B5EF4-FFF2-40B4-BE49-F238E27FC236}">
+                <a16:creationId xmlns:a16="http://schemas.microsoft.com/office/drawing/2014/main" id="{80DD9277-7B03-46BA-A1AA-E0A86CA0FCF8}"/>
+              </a:ext>
+            </a:extLst>
+          </p:cNvPr>
+          <p:cNvSpPr>
+            <a:spLocks noGrp="1"/>
+          </p:cNvSpPr>
+          <p:nvPr>
+            <p:ph type="dt" sz="half" idx="10"/>
+          </p:nvPr>
+        </p:nvSpPr>
+        <p:spPr>
+          <a:xfrm>
+            <a:off x="406401" y="274365"/>
+            <a:ext cx="7375299" cy="216000"/>
+          </a:xfrm>
+        </p:spPr>
+        <p:txBody>
+          <a:bodyPr anchor="t">
+            <a:normAutofit/>
+          </a:bodyPr>
+          <a:lstStyle/>
+          <a:p>
+            <a:pPr>
+              <a:spcAft>
+                <a:spcPts val="600"/>
+              </a:spcAft>
+            </a:pPr>
+            <a:r>
+              <a:rPr lang="de-DE"/>
+              <a:t>Campus Sontheim</a:t>
+            </a:r>
+          </a:p>
+        </p:txBody>
+      </p:sp>
+      <p:sp>
+        <p:nvSpPr>
+          <p:cNvPr id="13" name="Fußzeilenplatzhalter 12">
+            <a:extLst>
+              <a:ext uri="{FF2B5EF4-FFF2-40B4-BE49-F238E27FC236}">
+                <a16:creationId xmlns:a16="http://schemas.microsoft.com/office/drawing/2014/main" id="{D5DEE2ED-DBC3-4D9A-AFA9-3BDED5578C13}"/>
+              </a:ext>
+            </a:extLst>
+          </p:cNvPr>
+          <p:cNvSpPr>
+            <a:spLocks noGrp="1"/>
+          </p:cNvSpPr>
+          <p:nvPr>
+            <p:ph type="ftr" sz="quarter" idx="11"/>
+          </p:nvPr>
+        </p:nvSpPr>
+        <p:spPr>
+          <a:xfrm>
+            <a:off x="406401" y="6515213"/>
+            <a:ext cx="7375299" cy="216000"/>
+          </a:xfrm>
+        </p:spPr>
+        <p:txBody>
+          <a:bodyPr anchor="t">
+            <a:normAutofit/>
+          </a:bodyPr>
+          <a:lstStyle/>
+          <a:p>
+            <a:pPr>
+              <a:spcAft>
+                <a:spcPts val="600"/>
+              </a:spcAft>
+            </a:pPr>
+            <a:r>
+              <a:rPr lang="de-DE"/>
+              <a:t>Bachelorthesis Kolloquium | Robert Zlomke | IT / AIB |  WiSe 2020/21</a:t>
+            </a:r>
+          </a:p>
+        </p:txBody>
+      </p:sp>
+      <p:sp>
+        <p:nvSpPr>
+          <p:cNvPr id="14" name="Foliennummernplatzhalter 13">
+            <a:extLst>
+              <a:ext uri="{FF2B5EF4-FFF2-40B4-BE49-F238E27FC236}">
+                <a16:creationId xmlns:a16="http://schemas.microsoft.com/office/drawing/2014/main" id="{48BBC2E6-60FE-4027-B3AE-1C7F349E9526}"/>
+              </a:ext>
+            </a:extLst>
+          </p:cNvPr>
+          <p:cNvSpPr>
+            <a:spLocks noGrp="1"/>
+          </p:cNvSpPr>
+          <p:nvPr>
+            <p:ph type="sldNum" sz="quarter" idx="12"/>
+          </p:nvPr>
+        </p:nvSpPr>
+        <p:spPr>
+          <a:xfrm>
+            <a:off x="9883778" y="6515213"/>
+            <a:ext cx="1899711" cy="216000"/>
+          </a:xfrm>
+        </p:spPr>
+        <p:txBody>
+          <a:bodyPr anchor="t">
+            <a:normAutofit/>
+          </a:bodyPr>
+          <a:lstStyle/>
+          <a:p>
+            <a:pPr>
+              <a:spcAft>
+                <a:spcPts val="600"/>
+              </a:spcAft>
+            </a:pPr>
+            <a:r>
+              <a:rPr lang="de-DE"/>
+              <a:t>|  </a:t>
+            </a:r>
+            <a:fld id="{E6B5151A-17C4-4431-8407-112C0160A8B6}" type="slidenum">
+              <a:rPr lang="de-DE" smtClean="0"/>
+              <a:pPr>
+                <a:spcAft>
+                  <a:spcPts val="600"/>
+                </a:spcAft>
+              </a:pPr>
+              <a:t>20</a:t>
+            </a:fld>
+            <a:endParaRPr lang="de-DE"/>
+          </a:p>
+        </p:txBody>
+      </p:sp>
+      <p:sp>
+        <p:nvSpPr>
+          <p:cNvPr id="5" name="Titel 4"/>
+          <p:cNvSpPr>
+            <a:spLocks noGrp="1"/>
+          </p:cNvSpPr>
+          <p:nvPr>
+            <p:ph type="title"/>
+          </p:nvPr>
+        </p:nvSpPr>
+        <p:spPr>
+          <a:xfrm>
+            <a:off x="406405" y="898525"/>
+            <a:ext cx="11377084" cy="863600"/>
+          </a:xfrm>
+        </p:spPr>
+        <p:txBody>
+          <a:bodyPr anchor="t">
+            <a:normAutofit/>
+          </a:bodyPr>
+          <a:lstStyle/>
+          <a:p>
+            <a:pPr lvl="0"/>
+            <a:r>
+              <a:rPr lang="de-DE" dirty="0"/>
+              <a:t>Bisherige Ergebnisse</a:t>
+            </a:r>
+          </a:p>
+        </p:txBody>
+      </p:sp>
+      <p:sp>
+        <p:nvSpPr>
+          <p:cNvPr id="6" name="Inhaltsplatzhalter 5"/>
+          <p:cNvSpPr>
+            <a:spLocks noGrp="1"/>
+          </p:cNvSpPr>
+          <p:nvPr>
+            <p:ph type="body" orient="vert" idx="13"/>
+          </p:nvPr>
+        </p:nvSpPr>
+        <p:spPr>
+          <a:xfrm>
+            <a:off x="406400" y="2033702"/>
+            <a:ext cx="7128933" cy="4209936"/>
+          </a:xfrm>
+        </p:spPr>
+        <p:txBody>
+          <a:bodyPr anchor="t">
+            <a:normAutofit/>
+          </a:bodyPr>
+          <a:lstStyle/>
+          <a:p>
+            <a:pPr marL="342900" lvl="0" indent="-342900">
+              <a:buFont typeface="Arial" panose="020B0604020202020204" pitchFamily="34" charset="0"/>
+              <a:buChar char="•"/>
+            </a:pPr>
+            <a:endParaRPr lang="de-DE" dirty="0"/>
+          </a:p>
+          <a:p>
+            <a:pPr marL="342900" lvl="0" indent="-342900">
+              <a:buFont typeface="Arial" panose="020B0604020202020204" pitchFamily="34" charset="0"/>
+              <a:buChar char="•"/>
+            </a:pPr>
+            <a:r>
+              <a:rPr lang="de-DE" dirty="0"/>
+              <a:t>Oculus Quest Integration als Schnittstelle zum Headset eingebunden und konfiguriert</a:t>
+            </a:r>
+          </a:p>
+          <a:p>
+            <a:pPr marL="342900" lvl="0" indent="-342900">
+              <a:buFont typeface="Arial" panose="020B0604020202020204" pitchFamily="34" charset="0"/>
+              <a:buChar char="•"/>
+            </a:pPr>
+            <a:r>
+              <a:rPr lang="de-DE" dirty="0"/>
+              <a:t>Malus in das Projekt integriert und angepasst</a:t>
+            </a:r>
+          </a:p>
+          <a:p>
+            <a:pPr marL="342900" lvl="0" indent="-342900">
+              <a:buFont typeface="Arial" panose="020B0604020202020204" pitchFamily="34" charset="0"/>
+              <a:buChar char="•"/>
+            </a:pPr>
+            <a:r>
+              <a:rPr lang="de-DE" dirty="0"/>
+              <a:t>Implementieren der Datenerfassung für die spätere Auswertung begonnen</a:t>
+            </a:r>
+          </a:p>
+        </p:txBody>
+      </p:sp>
+      <p:pic>
+        <p:nvPicPr>
+          <p:cNvPr id="3" name="Grafik 2" descr="Ein Bild, das Tisch enthält.&#10;&#10;Automatisch generierte Beschreibung">
+            <a:extLst>
+              <a:ext uri="{FF2B5EF4-FFF2-40B4-BE49-F238E27FC236}">
+                <a16:creationId xmlns:a16="http://schemas.microsoft.com/office/drawing/2014/main" id="{01E42ADC-D9F7-44DD-8C14-8D8F722EB528}"/>
+              </a:ext>
+            </a:extLst>
+          </p:cNvPr>
+          <p:cNvPicPr>
+            <a:picLocks noChangeAspect="1"/>
+          </p:cNvPicPr>
+          <p:nvPr/>
+        </p:nvPicPr>
+        <p:blipFill>
+          <a:blip r:embed="rId2"/>
+          <a:stretch>
+            <a:fillRect/>
+          </a:stretch>
+        </p:blipFill>
+        <p:spPr>
+          <a:xfrm>
+            <a:off x="7535333" y="3986331"/>
+            <a:ext cx="3862917" cy="976499"/>
+          </a:xfrm>
+          <a:prstGeom prst="rect">
+            <a:avLst/>
+          </a:prstGeom>
+          <a:noFill/>
+        </p:spPr>
+      </p:pic>
+    </p:spTree>
+    <p:extLst>
+      <p:ext uri="{BB962C8B-B14F-4D97-AF65-F5344CB8AC3E}">
+        <p14:creationId xmlns:p14="http://schemas.microsoft.com/office/powerpoint/2010/main" val="1581092866"/>
+      </p:ext>
+    </p:extLst>
+  </p:cSld>
+  <p:clrMapOvr>
+    <a:masterClrMapping/>
+  </p:clrMapOvr>
+</p:sld>
+</file>
+
+<file path=ppt/slides/slide21.xml><?xml version="1.0" encoding="utf-8"?>
+<p:sld xmlns:a="http://schemas.openxmlformats.org/drawingml/2006/main" xmlns:r="http://schemas.openxmlformats.org/officeDocument/2006/relationships" xmlns:p="http://schemas.openxmlformats.org/presentationml/2006/main">
+  <p:cSld>
+    <p:spTree>
+      <p:nvGrpSpPr>
+        <p:cNvPr id="1" name=""/>
+        <p:cNvGrpSpPr/>
+        <p:nvPr/>
+      </p:nvGrpSpPr>
+      <p:grpSpPr>
+        <a:xfrm>
+          <a:off x="0" y="0"/>
+          <a:ext cx="0" cy="0"/>
+          <a:chOff x="0" y="0"/>
+          <a:chExt cx="0" cy="0"/>
+        </a:xfrm>
+      </p:grpSpPr>
+      <p:sp>
+        <p:nvSpPr>
           <p:cNvPr id="5" name="Titel 4"/>
           <p:cNvSpPr>
             <a:spLocks noGrp="1"/>
@@ -18244,7 +18695,7 @@
             <a:fld id="{E6B5151A-17C4-4431-8407-112C0160A8B6}" type="slidenum">
               <a:rPr lang="de-DE" smtClean="0"/>
               <a:pPr/>
-              <a:t>20</a:t>
+              <a:t>21</a:t>
             </a:fld>
             <a:endParaRPr lang="de-DE" dirty="0"/>
           </a:p>
@@ -18252,11 +18703,11 @@
       </p:sp>
       <p:pic>
         <p:nvPicPr>
-          <p:cNvPr id="2" name="Onlinemedien 1" title="UnityTerrain">
+          <p:cNvPr id="4" name="Onlinemedien 3" title="Projekt - Demo">
             <a:hlinkClick r:id="" action="ppaction://media"/>
             <a:extLst>
               <a:ext uri="{FF2B5EF4-FFF2-40B4-BE49-F238E27FC236}">
-                <a16:creationId xmlns:a16="http://schemas.microsoft.com/office/drawing/2014/main" id="{E344CBDD-CB56-4107-97FE-0778EA94083F}"/>
+                <a16:creationId xmlns:a16="http://schemas.microsoft.com/office/drawing/2014/main" id="{6CD6CF83-D902-474A-B391-ED3C4486BA3F}"/>
               </a:ext>
             </a:extLst>
           </p:cNvPr>
@@ -18275,8 +18726,8 @@
         </p:blipFill>
         <p:spPr>
           <a:xfrm>
-            <a:off x="2449766" y="2079142"/>
-            <a:ext cx="7290362" cy="4119054"/>
+            <a:off x="2236919" y="1958829"/>
+            <a:ext cx="7716055" cy="4359571"/>
           </a:xfrm>
           <a:prstGeom prst="rect">
             <a:avLst/>
@@ -18323,7 +18774,7 @@
                                       <p:cBhvr>
                                         <p:cTn id="6" dur="1" fill="hold"/>
                                         <p:tgtEl>
-                                          <p:spTgt spid="2"/>
+                                          <p:spTgt spid="4"/>
                                         </p:tgtEl>
                                       </p:cBhvr>
                                     </p:cmd>
@@ -18361,7 +18812,7 @@
                   </p:stCondLst>
                 </p:cTn>
                 <p:tgtEl>
-                  <p:spTgt spid="2"/>
+                  <p:spTgt spid="4"/>
                 </p:tgtEl>
               </p:cMediaNode>
             </p:video>
@@ -18370,7 +18821,7 @@
                 <p:stCondLst>
                   <p:cond evt="onClick" delay="0">
                     <p:tgtEl>
-                      <p:spTgt spid="2"/>
+                      <p:spTgt spid="4"/>
                     </p:tgtEl>
                   </p:cond>
                 </p:stCondLst>
@@ -18400,7 +18851,7 @@
                                       <p:cBhvr>
                                         <p:cTn id="12" dur="1" fill="hold"/>
                                         <p:tgtEl>
-                                          <p:spTgt spid="2"/>
+                                          <p:spTgt spid="4"/>
                                         </p:tgtEl>
                                       </p:cBhvr>
                                     </p:cmd>
@@ -18418,7 +18869,7 @@
               <p:nextCondLst>
                 <p:cond evt="onClick" delay="0">
                   <p:tgtEl>
-                    <p:spTgt spid="2"/>
+                    <p:spTgt spid="4"/>
                   </p:tgtEl>
                 </p:cond>
               </p:nextCondLst>
@@ -18428,204 +18879,6 @@
       </p:par>
     </p:tnLst>
   </p:timing>
-</p:sld>
-</file>
-
-<file path=ppt/slides/slide21.xml><?xml version="1.0" encoding="utf-8"?>
-<p:sld xmlns:a="http://schemas.openxmlformats.org/drawingml/2006/main" xmlns:r="http://schemas.openxmlformats.org/officeDocument/2006/relationships" xmlns:p="http://schemas.openxmlformats.org/presentationml/2006/main">
-  <p:cSld>
-    <p:spTree>
-      <p:nvGrpSpPr>
-        <p:cNvPr id="1" name=""/>
-        <p:cNvGrpSpPr/>
-        <p:nvPr/>
-      </p:nvGrpSpPr>
-      <p:grpSpPr>
-        <a:xfrm>
-          <a:off x="0" y="0"/>
-          <a:ext cx="0" cy="0"/>
-          <a:chOff x="0" y="0"/>
-          <a:chExt cx="0" cy="0"/>
-        </a:xfrm>
-      </p:grpSpPr>
-      <p:sp>
-        <p:nvSpPr>
-          <p:cNvPr id="5" name="Titel 4"/>
-          <p:cNvSpPr>
-            <a:spLocks noGrp="1"/>
-          </p:cNvSpPr>
-          <p:nvPr>
-            <p:ph type="title"/>
-          </p:nvPr>
-        </p:nvSpPr>
-        <p:spPr/>
-        <p:txBody>
-          <a:bodyPr/>
-          <a:lstStyle/>
-          <a:p>
-            <a:pPr lvl="0"/>
-            <a:r>
-              <a:rPr lang="de-DE" dirty="0"/>
-              <a:t>Offene Fragen</a:t>
-            </a:r>
-          </a:p>
-        </p:txBody>
-      </p:sp>
-      <p:sp>
-        <p:nvSpPr>
-          <p:cNvPr id="6" name="Inhaltsplatzhalter 5"/>
-          <p:cNvSpPr>
-            <a:spLocks noGrp="1"/>
-          </p:cNvSpPr>
-          <p:nvPr>
-            <p:ph idx="13"/>
-          </p:nvPr>
-        </p:nvSpPr>
-        <p:spPr/>
-        <p:txBody>
-          <a:bodyPr/>
-          <a:lstStyle/>
-          <a:p>
-            <a:pPr marL="342900" lvl="0" indent="-342900">
-              <a:buFont typeface="Arial" panose="020B0604020202020204" pitchFamily="34" charset="0"/>
-              <a:buChar char="•"/>
-            </a:pPr>
-            <a:endParaRPr lang="de-DE" dirty="0"/>
-          </a:p>
-          <a:p>
-            <a:pPr marL="342900" lvl="0" indent="-342900">
-              <a:buFont typeface="Arial" panose="020B0604020202020204" pitchFamily="34" charset="0"/>
-              <a:buChar char="•"/>
-            </a:pPr>
-            <a:r>
-              <a:rPr lang="de-DE" dirty="0"/>
-              <a:t>Durchführung der Evaluierung in der aktuellen Situation sehr schwierig</a:t>
-            </a:r>
-          </a:p>
-          <a:p>
-            <a:pPr marL="342900" lvl="0" indent="-342900">
-              <a:buFont typeface="Arial" panose="020B0604020202020204" pitchFamily="34" charset="0"/>
-              <a:buChar char="•"/>
-            </a:pPr>
-            <a:r>
-              <a:rPr lang="de-DE" dirty="0"/>
-              <a:t>Onlineanbieter für den Fragebogen</a:t>
-            </a:r>
-          </a:p>
-          <a:p>
-            <a:pPr marL="342900" lvl="0" indent="-342900">
-              <a:buFont typeface="Arial" panose="020B0604020202020204" pitchFamily="34" charset="0"/>
-              <a:buChar char="•"/>
-            </a:pPr>
-            <a:r>
-              <a:rPr lang="de-DE" dirty="0"/>
-              <a:t>Software für die Evaluation der gesammelten Daten</a:t>
-            </a:r>
-          </a:p>
-        </p:txBody>
-      </p:sp>
-      <p:sp>
-        <p:nvSpPr>
-          <p:cNvPr id="12" name="Datumsplatzhalter 11">
-            <a:extLst>
-              <a:ext uri="{FF2B5EF4-FFF2-40B4-BE49-F238E27FC236}">
-                <a16:creationId xmlns:a16="http://schemas.microsoft.com/office/drawing/2014/main" id="{80DD9277-7B03-46BA-A1AA-E0A86CA0FCF8}"/>
-              </a:ext>
-            </a:extLst>
-          </p:cNvPr>
-          <p:cNvSpPr>
-            <a:spLocks noGrp="1"/>
-          </p:cNvSpPr>
-          <p:nvPr>
-            <p:ph type="dt" sz="half" idx="10"/>
-          </p:nvPr>
-        </p:nvSpPr>
-        <p:spPr/>
-        <p:txBody>
-          <a:bodyPr/>
-          <a:lstStyle/>
-          <a:p>
-            <a:r>
-              <a:rPr lang="de-DE"/>
-              <a:t>Campus Sontheim</a:t>
-            </a:r>
-            <a:endParaRPr lang="de-DE" dirty="0"/>
-          </a:p>
-        </p:txBody>
-      </p:sp>
-      <p:sp>
-        <p:nvSpPr>
-          <p:cNvPr id="13" name="Fußzeilenplatzhalter 12">
-            <a:extLst>
-              <a:ext uri="{FF2B5EF4-FFF2-40B4-BE49-F238E27FC236}">
-                <a16:creationId xmlns:a16="http://schemas.microsoft.com/office/drawing/2014/main" id="{D5DEE2ED-DBC3-4D9A-AFA9-3BDED5578C13}"/>
-              </a:ext>
-            </a:extLst>
-          </p:cNvPr>
-          <p:cNvSpPr>
-            <a:spLocks noGrp="1"/>
-          </p:cNvSpPr>
-          <p:nvPr>
-            <p:ph type="ftr" sz="quarter" idx="11"/>
-          </p:nvPr>
-        </p:nvSpPr>
-        <p:spPr/>
-        <p:txBody>
-          <a:bodyPr/>
-          <a:lstStyle/>
-          <a:p>
-            <a:r>
-              <a:rPr lang="de-DE"/>
-              <a:t>Bachelorthesis Kolloquium | Robert Zlomke | IT / AIB |  WiSe 2020/21</a:t>
-            </a:r>
-            <a:endParaRPr lang="de-DE" dirty="0"/>
-          </a:p>
-        </p:txBody>
-      </p:sp>
-      <p:sp>
-        <p:nvSpPr>
-          <p:cNvPr id="14" name="Foliennummernplatzhalter 13">
-            <a:extLst>
-              <a:ext uri="{FF2B5EF4-FFF2-40B4-BE49-F238E27FC236}">
-                <a16:creationId xmlns:a16="http://schemas.microsoft.com/office/drawing/2014/main" id="{48BBC2E6-60FE-4027-B3AE-1C7F349E9526}"/>
-              </a:ext>
-            </a:extLst>
-          </p:cNvPr>
-          <p:cNvSpPr>
-            <a:spLocks noGrp="1"/>
-          </p:cNvSpPr>
-          <p:nvPr>
-            <p:ph type="sldNum" sz="quarter" idx="12"/>
-          </p:nvPr>
-        </p:nvSpPr>
-        <p:spPr/>
-        <p:txBody>
-          <a:bodyPr/>
-          <a:lstStyle/>
-          <a:p>
-            <a:r>
-              <a:rPr lang="de-DE"/>
-              <a:t>|  </a:t>
-            </a:r>
-            <a:fld id="{E6B5151A-17C4-4431-8407-112C0160A8B6}" type="slidenum">
-              <a:rPr lang="de-DE" smtClean="0"/>
-              <a:pPr/>
-              <a:t>21</a:t>
-            </a:fld>
-            <a:endParaRPr lang="de-DE" dirty="0"/>
-          </a:p>
-        </p:txBody>
-      </p:sp>
-    </p:spTree>
-    <p:extLst>
-      <p:ext uri="{BB962C8B-B14F-4D97-AF65-F5344CB8AC3E}">
-        <p14:creationId xmlns:p14="http://schemas.microsoft.com/office/powerpoint/2010/main" val="3086935987"/>
-      </p:ext>
-    </p:extLst>
-  </p:cSld>
-  <p:clrMapOvr>
-    <a:masterClrMapping/>
-  </p:clrMapOvr>
 </p:sld>
 </file>
 
@@ -18664,7 +18917,7 @@
             <a:pPr lvl="0"/>
             <a:r>
               <a:rPr lang="de-DE" dirty="0"/>
-              <a:t>Weitere Vorgehensweise</a:t>
+              <a:t>Offene Fragen</a:t>
             </a:r>
           </a:p>
         </p:txBody>
@@ -18697,7 +18950,7 @@
             </a:pPr>
             <a:r>
               <a:rPr lang="de-DE" dirty="0"/>
-              <a:t>Datenerfassung und Export vollständig implementieren</a:t>
+              <a:t>Durchführung der Evaluierung in der aktuellen Situation sehr schwierig</a:t>
             </a:r>
           </a:p>
           <a:p>
@@ -18707,23 +18960,8 @@
             </a:pPr>
             <a:r>
               <a:rPr lang="de-DE" dirty="0"/>
-              <a:t>Fragebogen erstellen</a:t>
-            </a:r>
-          </a:p>
-          <a:p>
-            <a:pPr marL="342900" indent="-342900">
-              <a:buFont typeface="Arial" panose="020B0604020202020204" pitchFamily="34" charset="0"/>
-              <a:buChar char="•"/>
-            </a:pPr>
-            <a:r>
-              <a:rPr lang="de-DE" dirty="0"/>
-              <a:t>Ggf. </a:t>
-            </a:r>
-            <a:r>
-              <a:rPr lang="de-DE"/>
-              <a:t>Szenario anpassen</a:t>
-            </a:r>
-            <a:endParaRPr lang="de-DE" dirty="0"/>
+              <a:t>Onlineanbieter für den Fragebogen</a:t>
+            </a:r>
           </a:p>
           <a:p>
             <a:pPr marL="342900" lvl="0" indent="-342900">
@@ -18732,27 +18970,7 @@
             </a:pPr>
             <a:r>
               <a:rPr lang="de-DE" dirty="0"/>
-              <a:t>Sammeln von Daten durch Durchführung des Szenarios mit Nutzer</a:t>
-            </a:r>
-          </a:p>
-          <a:p>
-            <a:pPr marL="342900" lvl="0" indent="-342900">
-              <a:buFont typeface="Arial" panose="020B0604020202020204" pitchFamily="34" charset="0"/>
-              <a:buChar char="•"/>
-            </a:pPr>
-            <a:r>
-              <a:rPr lang="de-DE" dirty="0"/>
-              <a:t>Auswertung der gesammelten Daten</a:t>
-            </a:r>
-          </a:p>
-          <a:p>
-            <a:pPr marL="342900" lvl="0" indent="-342900">
-              <a:buFont typeface="Arial" panose="020B0604020202020204" pitchFamily="34" charset="0"/>
-              <a:buChar char="•"/>
-            </a:pPr>
-            <a:r>
-              <a:rPr lang="de-DE" dirty="0"/>
-              <a:t>Schriftliche Ausarbeitung</a:t>
+              <a:t>Software für die Evaluation der gesammelten Daten</a:t>
             </a:r>
           </a:p>
         </p:txBody>
@@ -18852,6 +19070,239 @@
     </p:spTree>
     <p:extLst>
       <p:ext uri="{BB962C8B-B14F-4D97-AF65-F5344CB8AC3E}">
+        <p14:creationId xmlns:p14="http://schemas.microsoft.com/office/powerpoint/2010/main" val="3086935987"/>
+      </p:ext>
+    </p:extLst>
+  </p:cSld>
+  <p:clrMapOvr>
+    <a:masterClrMapping/>
+  </p:clrMapOvr>
+</p:sld>
+</file>
+
+<file path=ppt/slides/slide23.xml><?xml version="1.0" encoding="utf-8"?>
+<p:sld xmlns:a="http://schemas.openxmlformats.org/drawingml/2006/main" xmlns:r="http://schemas.openxmlformats.org/officeDocument/2006/relationships" xmlns:p="http://schemas.openxmlformats.org/presentationml/2006/main">
+  <p:cSld>
+    <p:spTree>
+      <p:nvGrpSpPr>
+        <p:cNvPr id="1" name=""/>
+        <p:cNvGrpSpPr/>
+        <p:nvPr/>
+      </p:nvGrpSpPr>
+      <p:grpSpPr>
+        <a:xfrm>
+          <a:off x="0" y="0"/>
+          <a:ext cx="0" cy="0"/>
+          <a:chOff x="0" y="0"/>
+          <a:chExt cx="0" cy="0"/>
+        </a:xfrm>
+      </p:grpSpPr>
+      <p:sp>
+        <p:nvSpPr>
+          <p:cNvPr id="5" name="Titel 4"/>
+          <p:cNvSpPr>
+            <a:spLocks noGrp="1"/>
+          </p:cNvSpPr>
+          <p:nvPr>
+            <p:ph type="title"/>
+          </p:nvPr>
+        </p:nvSpPr>
+        <p:spPr/>
+        <p:txBody>
+          <a:bodyPr/>
+          <a:lstStyle/>
+          <a:p>
+            <a:pPr lvl="0"/>
+            <a:r>
+              <a:rPr lang="de-DE" dirty="0"/>
+              <a:t>Weitere Vorgehensweise</a:t>
+            </a:r>
+          </a:p>
+        </p:txBody>
+      </p:sp>
+      <p:sp>
+        <p:nvSpPr>
+          <p:cNvPr id="6" name="Inhaltsplatzhalter 5"/>
+          <p:cNvSpPr>
+            <a:spLocks noGrp="1"/>
+          </p:cNvSpPr>
+          <p:nvPr>
+            <p:ph idx="13"/>
+          </p:nvPr>
+        </p:nvSpPr>
+        <p:spPr/>
+        <p:txBody>
+          <a:bodyPr/>
+          <a:lstStyle/>
+          <a:p>
+            <a:pPr marL="342900" lvl="0" indent="-342900">
+              <a:buFont typeface="Arial" panose="020B0604020202020204" pitchFamily="34" charset="0"/>
+              <a:buChar char="•"/>
+            </a:pPr>
+            <a:endParaRPr lang="de-DE" dirty="0"/>
+          </a:p>
+          <a:p>
+            <a:pPr marL="342900" lvl="0" indent="-342900">
+              <a:buFont typeface="Arial" panose="020B0604020202020204" pitchFamily="34" charset="0"/>
+              <a:buChar char="•"/>
+            </a:pPr>
+            <a:r>
+              <a:rPr lang="de-DE" dirty="0"/>
+              <a:t>Datenerfassung und Export vollständig implementieren</a:t>
+            </a:r>
+          </a:p>
+          <a:p>
+            <a:pPr marL="342900" lvl="0" indent="-342900">
+              <a:buFont typeface="Arial" panose="020B0604020202020204" pitchFamily="34" charset="0"/>
+              <a:buChar char="•"/>
+            </a:pPr>
+            <a:r>
+              <a:rPr lang="de-DE" dirty="0"/>
+              <a:t>Fragebogen erstellen</a:t>
+            </a:r>
+          </a:p>
+          <a:p>
+            <a:pPr marL="342900" indent="-342900">
+              <a:buFont typeface="Arial" panose="020B0604020202020204" pitchFamily="34" charset="0"/>
+              <a:buChar char="•"/>
+            </a:pPr>
+            <a:r>
+              <a:rPr lang="de-DE" dirty="0"/>
+              <a:t>Ggf. </a:t>
+            </a:r>
+            <a:r>
+              <a:rPr lang="de-DE"/>
+              <a:t>Szenario anpassen</a:t>
+            </a:r>
+            <a:endParaRPr lang="de-DE" dirty="0"/>
+          </a:p>
+          <a:p>
+            <a:pPr marL="342900" lvl="0" indent="-342900">
+              <a:buFont typeface="Arial" panose="020B0604020202020204" pitchFamily="34" charset="0"/>
+              <a:buChar char="•"/>
+            </a:pPr>
+            <a:r>
+              <a:rPr lang="de-DE" dirty="0"/>
+              <a:t>Sammeln von Daten durch Durchführung des Szenarios mit Nutzer</a:t>
+            </a:r>
+          </a:p>
+          <a:p>
+            <a:pPr marL="342900" lvl="0" indent="-342900">
+              <a:buFont typeface="Arial" panose="020B0604020202020204" pitchFamily="34" charset="0"/>
+              <a:buChar char="•"/>
+            </a:pPr>
+            <a:r>
+              <a:rPr lang="de-DE" dirty="0"/>
+              <a:t>Auswertung der gesammelten Daten</a:t>
+            </a:r>
+          </a:p>
+          <a:p>
+            <a:pPr marL="342900" lvl="0" indent="-342900">
+              <a:buFont typeface="Arial" panose="020B0604020202020204" pitchFamily="34" charset="0"/>
+              <a:buChar char="•"/>
+            </a:pPr>
+            <a:r>
+              <a:rPr lang="de-DE" dirty="0"/>
+              <a:t>Schriftliche Ausarbeitung</a:t>
+            </a:r>
+          </a:p>
+        </p:txBody>
+      </p:sp>
+      <p:sp>
+        <p:nvSpPr>
+          <p:cNvPr id="12" name="Datumsplatzhalter 11">
+            <a:extLst>
+              <a:ext uri="{FF2B5EF4-FFF2-40B4-BE49-F238E27FC236}">
+                <a16:creationId xmlns:a16="http://schemas.microsoft.com/office/drawing/2014/main" id="{80DD9277-7B03-46BA-A1AA-E0A86CA0FCF8}"/>
+              </a:ext>
+            </a:extLst>
+          </p:cNvPr>
+          <p:cNvSpPr>
+            <a:spLocks noGrp="1"/>
+          </p:cNvSpPr>
+          <p:nvPr>
+            <p:ph type="dt" sz="half" idx="10"/>
+          </p:nvPr>
+        </p:nvSpPr>
+        <p:spPr/>
+        <p:txBody>
+          <a:bodyPr/>
+          <a:lstStyle/>
+          <a:p>
+            <a:r>
+              <a:rPr lang="de-DE"/>
+              <a:t>Campus Sontheim</a:t>
+            </a:r>
+            <a:endParaRPr lang="de-DE" dirty="0"/>
+          </a:p>
+        </p:txBody>
+      </p:sp>
+      <p:sp>
+        <p:nvSpPr>
+          <p:cNvPr id="13" name="Fußzeilenplatzhalter 12">
+            <a:extLst>
+              <a:ext uri="{FF2B5EF4-FFF2-40B4-BE49-F238E27FC236}">
+                <a16:creationId xmlns:a16="http://schemas.microsoft.com/office/drawing/2014/main" id="{D5DEE2ED-DBC3-4D9A-AFA9-3BDED5578C13}"/>
+              </a:ext>
+            </a:extLst>
+          </p:cNvPr>
+          <p:cNvSpPr>
+            <a:spLocks noGrp="1"/>
+          </p:cNvSpPr>
+          <p:nvPr>
+            <p:ph type="ftr" sz="quarter" idx="11"/>
+          </p:nvPr>
+        </p:nvSpPr>
+        <p:spPr/>
+        <p:txBody>
+          <a:bodyPr/>
+          <a:lstStyle/>
+          <a:p>
+            <a:r>
+              <a:rPr lang="de-DE"/>
+              <a:t>Bachelorthesis Kolloquium | Robert Zlomke | IT / AIB |  WiSe 2020/21</a:t>
+            </a:r>
+            <a:endParaRPr lang="de-DE" dirty="0"/>
+          </a:p>
+        </p:txBody>
+      </p:sp>
+      <p:sp>
+        <p:nvSpPr>
+          <p:cNvPr id="14" name="Foliennummernplatzhalter 13">
+            <a:extLst>
+              <a:ext uri="{FF2B5EF4-FFF2-40B4-BE49-F238E27FC236}">
+                <a16:creationId xmlns:a16="http://schemas.microsoft.com/office/drawing/2014/main" id="{48BBC2E6-60FE-4027-B3AE-1C7F349E9526}"/>
+              </a:ext>
+            </a:extLst>
+          </p:cNvPr>
+          <p:cNvSpPr>
+            <a:spLocks noGrp="1"/>
+          </p:cNvSpPr>
+          <p:nvPr>
+            <p:ph type="sldNum" sz="quarter" idx="12"/>
+          </p:nvPr>
+        </p:nvSpPr>
+        <p:spPr/>
+        <p:txBody>
+          <a:bodyPr/>
+          <a:lstStyle/>
+          <a:p>
+            <a:r>
+              <a:rPr lang="de-DE"/>
+              <a:t>|  </a:t>
+            </a:r>
+            <a:fld id="{E6B5151A-17C4-4431-8407-112C0160A8B6}" type="slidenum">
+              <a:rPr lang="de-DE" smtClean="0"/>
+              <a:pPr/>
+              <a:t>23</a:t>
+            </a:fld>
+            <a:endParaRPr lang="de-DE" dirty="0"/>
+          </a:p>
+        </p:txBody>
+      </p:sp>
+    </p:spTree>
+    <p:extLst>
+      <p:ext uri="{BB962C8B-B14F-4D97-AF65-F5344CB8AC3E}">
         <p14:creationId xmlns:p14="http://schemas.microsoft.com/office/powerpoint/2010/main" val="114509345"/>
       </p:ext>
     </p:extLst>
@@ -18862,7 +19313,7 @@
 </p:sld>
 </file>
 
-<file path=ppt/slides/slide23.xml><?xml version="1.0" encoding="utf-8"?>
+<file path=ppt/slides/slide24.xml><?xml version="1.0" encoding="utf-8"?>
 <p:sld xmlns:a="http://schemas.openxmlformats.org/drawingml/2006/main" xmlns:r="http://schemas.openxmlformats.org/officeDocument/2006/relationships" xmlns:p="http://schemas.openxmlformats.org/presentationml/2006/main">
   <p:cSld>
     <p:spTree>
@@ -19004,7 +19455,7 @@
             <a:fld id="{E6B5151A-17C4-4431-8407-112C0160A8B6}" type="slidenum">
               <a:rPr lang="de-DE" smtClean="0"/>
               <a:pPr/>
-              <a:t>23</a:t>
+              <a:t>24</a:t>
             </a:fld>
             <a:endParaRPr lang="de-DE" dirty="0"/>
           </a:p>
@@ -19579,7 +20030,7 @@
                 </a:solidFill>
                 <a:latin typeface="Raleway"/>
               </a:rPr>
-              <a:t>Virtuelle Umgebungen zu Fuß zu erkunden ist die realistischste und natürlichste Schnittstelle. Zeitlich ist dies auch technisch am anspruchsvollsten auf Grund der Hardware und Umweltbedingungen.</a:t>
+              <a:t>Virtuelle Umgebungen zu Fuß zu erkunden ist die realistischste und natürlichste Schnittstelle. Zeitgleich ist dies auch technisch am anspruchsvollsten.</a:t>
             </a:r>
           </a:p>
           <a:p>
@@ -19611,21 +20062,17 @@
                 <a:effectLst/>
                 <a:latin typeface="Raleway"/>
               </a:rPr>
-              <a:t>Fortbewegung in übereinstimmenden Umgebungen oder leeren Umgebungen konzentriert, aber weniger darauf geachtet, wie sich eine Änderung der Nichtübereinstimmung zwischen der physischen Umgebung und ihrer virtuellen Darstellung auf die Benutzer auswirkt.</a:t>
+              <a:t>Fortbewegung in übereinstimmenden oder leeren Umgebungen konzentriert. Weniger wurde darauf geachtet, wie sich eine Änderung der Nichtübereinstimmung zwischen der physischen Umgebung und ihrer virtuellen Darstellung auf die Benutzer auswirkt.</a:t>
             </a:r>
           </a:p>
           <a:p>
             <a:pPr lvl="0"/>
-            <a:r>
-              <a:rPr lang="de-DE" b="0" i="0" dirty="0">
-                <a:solidFill>
-                  <a:srgbClr val="000000"/>
-                </a:solidFill>
-                <a:effectLst/>
-                <a:latin typeface="Raleway"/>
-              </a:rPr>
-              <a:t>Wenn ja, gibt es bestimmte Änderungen, die mehr sind wirkungsvoller als andere? Lassen sich Bewegungsmuster konditionieren?</a:t>
-            </a:r>
+            <a:endParaRPr lang="de-DE" dirty="0">
+              <a:solidFill>
+                <a:srgbClr val="000000"/>
+              </a:solidFill>
+              <a:latin typeface="Raleway"/>
+            </a:endParaRPr>
           </a:p>
         </p:txBody>
       </p:sp>
@@ -19802,8 +20249,21 @@
             </a:pPr>
             <a:r>
               <a:rPr lang="de-DE" dirty="0"/>
-              <a:t>Konzipieren eines Szenarios um das Bewegungsverhalten der Nutzer zu Beobachten und zu Konditionieren</a:t>
-            </a:r>
+              <a:t>Konzipieren eines Szenarios um das Bewegungsverhalten der Nutzer </a:t>
+            </a:r>
+            <a:r>
+              <a:rPr lang="de-DE"/>
+              <a:t>zu beobachten </a:t>
+            </a:r>
+            <a:r>
+              <a:rPr lang="de-DE" dirty="0"/>
+              <a:t>und </a:t>
+            </a:r>
+            <a:r>
+              <a:rPr lang="de-DE"/>
+              <a:t>zu konditionieren</a:t>
+            </a:r>
+            <a:endParaRPr lang="de-DE" dirty="0"/>
           </a:p>
           <a:p>
             <a:pPr marL="342900" lvl="0" indent="-342900">
@@ -19812,11 +20272,8 @@
             </a:pPr>
             <a:r>
               <a:rPr lang="de-DE" dirty="0"/>
-              <a:t>Durchführung </a:t>
-            </a:r>
-          </a:p>
-          <a:p>
-            <a:pPr lvl="0"/>
+              <a:t>Evaluation um die benötigten Daten zu sammeln und auszuwerten</a:t>
+            </a:r>
             <a:endParaRPr lang="de-DE" dirty="0">
               <a:solidFill>
                 <a:srgbClr val="DC3769"/>

--- a/Kolloquium_Präsentation_RobertZlomle.pptx
+++ b/Kolloquium_Präsentation_RobertZlomle.pptx
@@ -251,7 +251,7 @@
           <a:p>
             <a:fld id="{CF93AEB5-C303-4762-90A0-AF697EB357C4}" type="datetimeFigureOut">
               <a:rPr lang="de-DE" smtClean="0"/>
-              <a:t>17.01.2021</a:t>
+              <a:t>18.01.2021</a:t>
             </a:fld>
             <a:endParaRPr lang="de-DE"/>
           </a:p>
@@ -16017,7 +16017,7 @@
             </a:br>
             <a:r>
               <a:rPr lang="de-DE" dirty="0"/>
-              <a:t>- Datenerfassung und Export</a:t>
+              <a:t>- Erhebungsmethoden und nötige Daten</a:t>
             </a:r>
             <a:br>
               <a:rPr lang="de-DE" dirty="0"/>
@@ -16500,57 +16500,6 @@
       </p:grpSpPr>
       <p:sp>
         <p:nvSpPr>
-          <p:cNvPr id="5" name="Titel 4"/>
-          <p:cNvSpPr>
-            <a:spLocks noGrp="1"/>
-          </p:cNvSpPr>
-          <p:nvPr>
-            <p:ph type="title"/>
-          </p:nvPr>
-        </p:nvSpPr>
-        <p:spPr/>
-        <p:txBody>
-          <a:bodyPr/>
-          <a:lstStyle/>
-          <a:p>
-            <a:pPr lvl="0"/>
-            <a:r>
-              <a:rPr lang="de-DE" dirty="0"/>
-              <a:t>Zeitplan</a:t>
-            </a:r>
-          </a:p>
-        </p:txBody>
-      </p:sp>
-      <p:sp>
-        <p:nvSpPr>
-          <p:cNvPr id="6" name="Inhaltsplatzhalter 5"/>
-          <p:cNvSpPr>
-            <a:spLocks noGrp="1"/>
-          </p:cNvSpPr>
-          <p:nvPr>
-            <p:ph idx="13"/>
-          </p:nvPr>
-        </p:nvSpPr>
-        <p:spPr/>
-        <p:txBody>
-          <a:bodyPr/>
-          <a:lstStyle/>
-          <a:p>
-            <a:pPr lvl="0"/>
-            <a:r>
-              <a:rPr lang="de-DE" dirty="0"/>
-              <a:t>•</a:t>
-            </a:r>
-            <a:endParaRPr lang="de-DE" dirty="0">
-              <a:solidFill>
-                <a:srgbClr val="DC3769"/>
-              </a:solidFill>
-            </a:endParaRPr>
-          </a:p>
-        </p:txBody>
-      </p:sp>
-      <p:sp>
-        <p:nvSpPr>
           <p:cNvPr id="12" name="Datumsplatzhalter 11">
             <a:extLst>
               <a:ext uri="{FF2B5EF4-FFF2-40B4-BE49-F238E27FC236}">
@@ -16565,16 +16514,27 @@
             <p:ph type="dt" sz="half" idx="10"/>
           </p:nvPr>
         </p:nvSpPr>
-        <p:spPr/>
+        <p:spPr>
+          <a:xfrm>
+            <a:off x="406401" y="274365"/>
+            <a:ext cx="7375299" cy="216000"/>
+          </a:xfrm>
+        </p:spPr>
         <p:txBody>
-          <a:bodyPr/>
+          <a:bodyPr anchor="t">
+            <a:normAutofit/>
+          </a:bodyPr>
           <a:lstStyle/>
           <a:p>
+            <a:pPr>
+              <a:spcAft>
+                <a:spcPts val="600"/>
+              </a:spcAft>
+            </a:pPr>
             <a:r>
               <a:rPr lang="de-DE"/>
               <a:t>Campus Sontheim</a:t>
             </a:r>
-            <a:endParaRPr lang="de-DE" dirty="0"/>
           </a:p>
         </p:txBody>
       </p:sp>
@@ -16594,16 +16554,27 @@
             <p:ph type="ftr" sz="quarter" idx="11"/>
           </p:nvPr>
         </p:nvSpPr>
-        <p:spPr/>
+        <p:spPr>
+          <a:xfrm>
+            <a:off x="406401" y="6515213"/>
+            <a:ext cx="7375299" cy="216000"/>
+          </a:xfrm>
+        </p:spPr>
         <p:txBody>
-          <a:bodyPr/>
+          <a:bodyPr anchor="t">
+            <a:normAutofit/>
+          </a:bodyPr>
           <a:lstStyle/>
           <a:p>
+            <a:pPr>
+              <a:spcAft>
+                <a:spcPts val="600"/>
+              </a:spcAft>
+            </a:pPr>
             <a:r>
               <a:rPr lang="de-DE"/>
               <a:t>Bachelorthesis Kolloquium | Robert Zlomke | IT / AIB |  WiSe 2020/21</a:t>
             </a:r>
-            <a:endParaRPr lang="de-DE" dirty="0"/>
           </a:p>
         </p:txBody>
       </p:sp>
@@ -16623,30 +16594,76 @@
             <p:ph type="sldNum" sz="quarter" idx="12"/>
           </p:nvPr>
         </p:nvSpPr>
-        <p:spPr/>
+        <p:spPr>
+          <a:xfrm>
+            <a:off x="9883778" y="6515213"/>
+            <a:ext cx="1899711" cy="216000"/>
+          </a:xfrm>
+        </p:spPr>
         <p:txBody>
-          <a:bodyPr/>
+          <a:bodyPr anchor="t">
+            <a:normAutofit/>
+          </a:bodyPr>
           <a:lstStyle/>
           <a:p>
+            <a:pPr>
+              <a:spcAft>
+                <a:spcPts val="600"/>
+              </a:spcAft>
+            </a:pPr>
             <a:r>
               <a:rPr lang="de-DE"/>
               <a:t>|  </a:t>
             </a:r>
             <a:fld id="{E6B5151A-17C4-4431-8407-112C0160A8B6}" type="slidenum">
               <a:rPr lang="de-DE" smtClean="0"/>
-              <a:pPr/>
+              <a:pPr>
+                <a:spcAft>
+                  <a:spcPts val="600"/>
+                </a:spcAft>
+              </a:pPr>
               <a:t>14</a:t>
             </a:fld>
-            <a:endParaRPr lang="de-DE" dirty="0"/>
+            <a:endParaRPr lang="de-DE"/>
+          </a:p>
+        </p:txBody>
+      </p:sp>
+      <p:sp>
+        <p:nvSpPr>
+          <p:cNvPr id="5" name="Titel 4"/>
+          <p:cNvSpPr>
+            <a:spLocks noGrp="1"/>
+          </p:cNvSpPr>
+          <p:nvPr>
+            <p:ph type="title"/>
+          </p:nvPr>
+        </p:nvSpPr>
+        <p:spPr>
+          <a:xfrm>
+            <a:off x="406405" y="898525"/>
+            <a:ext cx="11377084" cy="863600"/>
+          </a:xfrm>
+        </p:spPr>
+        <p:txBody>
+          <a:bodyPr anchor="t">
+            <a:normAutofit/>
+          </a:bodyPr>
+          <a:lstStyle/>
+          <a:p>
+            <a:pPr lvl="0"/>
+            <a:r>
+              <a:rPr lang="de-DE" dirty="0"/>
+              <a:t>Zeitplan</a:t>
+            </a:r>
           </a:p>
         </p:txBody>
       </p:sp>
       <p:pic>
         <p:nvPicPr>
-          <p:cNvPr id="3" name="Grafik 2">
+          <p:cNvPr id="8" name="Grafik 7" descr="Ein Bild, das Text, Shoji, Schrank enthält.&#10;&#10;Automatisch generierte Beschreibung">
             <a:extLst>
               <a:ext uri="{FF2B5EF4-FFF2-40B4-BE49-F238E27FC236}">
-                <a16:creationId xmlns:a16="http://schemas.microsoft.com/office/drawing/2014/main" id="{4D29D65D-D2DE-4167-ADA1-66AD8D5CAEEF}"/>
+                <a16:creationId xmlns:a16="http://schemas.microsoft.com/office/drawing/2014/main" id="{9A94CD92-15F4-4C67-9260-91CC089CD63F}"/>
               </a:ext>
             </a:extLst>
           </p:cNvPr>
@@ -16663,12 +16680,13 @@
         </p:blipFill>
         <p:spPr>
           <a:xfrm>
-            <a:off x="406401" y="2033591"/>
-            <a:ext cx="11251660" cy="3715276"/>
+            <a:off x="406405" y="2403609"/>
+            <a:ext cx="11377084" cy="3470012"/>
           </a:xfrm>
           <a:prstGeom prst="rect">
             <a:avLst/>
           </a:prstGeom>
+          <a:noFill/>
         </p:spPr>
       </p:pic>
     </p:spTree>
@@ -20030,7 +20048,7 @@
                 </a:solidFill>
                 <a:latin typeface="Raleway"/>
               </a:rPr>
-              <a:t>Virtuelle Umgebungen zu Fuß zu erkunden ist die realistischste und natürlichste Schnittstelle. Zeitgleich ist dies auch technisch am anspruchsvollsten.</a:t>
+              <a:t>Virtuelle Umgebungen zu Fuß zu erkunden ist die realistischste und natürlichste Schnittstelle. Zeitgleich ist dies auch technisch und logistisch am anspruchsvollsten.</a:t>
             </a:r>
           </a:p>
           <a:p>
@@ -20249,21 +20267,8 @@
             </a:pPr>
             <a:r>
               <a:rPr lang="de-DE" dirty="0"/>
-              <a:t>Konzipieren eines Szenarios um das Bewegungsverhalten der Nutzer </a:t>
-            </a:r>
-            <a:r>
-              <a:rPr lang="de-DE"/>
-              <a:t>zu beobachten </a:t>
-            </a:r>
-            <a:r>
-              <a:rPr lang="de-DE" dirty="0"/>
-              <a:t>und </a:t>
-            </a:r>
-            <a:r>
-              <a:rPr lang="de-DE"/>
-              <a:t>zu konditionieren</a:t>
-            </a:r>
-            <a:endParaRPr lang="de-DE" dirty="0"/>
+              <a:t>Konzipieren eines Szenarios, in dem das Bewegungsverhalten der Nutzer über festgelegte Reize in der VR beeinflussen zu können</a:t>
+            </a:r>
           </a:p>
           <a:p>
             <a:pPr marL="342900" lvl="0" indent="-342900">
@@ -20682,7 +20687,7 @@
             </a:pPr>
             <a:r>
               <a:rPr lang="de-DE" dirty="0"/>
-              <a:t>Entwicklung des Szenarios</a:t>
+              <a:t>Szenario wird nach der Definition der Konditionierungsreize entwickelt</a:t>
             </a:r>
           </a:p>
           <a:p>
@@ -20692,7 +20697,7 @@
             </a:pPr>
             <a:r>
               <a:rPr lang="de-DE" dirty="0"/>
-              <a:t>Malus zur Konditionierung der Nutzer entwickeln</a:t>
+              <a:t>Definition der Reize zur Konditionierung der Benutzer in VR (Malus)</a:t>
             </a:r>
           </a:p>
           <a:p>
@@ -20712,7 +20717,7 @@
             </a:pPr>
             <a:r>
               <a:rPr lang="de-DE" dirty="0"/>
-              <a:t>Datenerfassung und Export</a:t>
+              <a:t>Auswahl der Erhebungsmethoden und nötigen Daten</a:t>
             </a:r>
           </a:p>
           <a:p>
